--- a/Presentazione ConsensusProblem.pptx
+++ b/Presentazione ConsensusProblem.pptx
@@ -135,6 +135,55 @@
       </a:defRPr>
     </a:lvl9pPr>
   </p:defaultTextStyle>
+  <p:extLst>
+    <p:ext uri="{521415D9-36F7-43E2-AB2F-B90AF26B5E84}">
+      <p14:sectionLst xmlns:p14="http://schemas.microsoft.com/office/powerpoint/2010/main">
+        <p14:section name="Sezione predefinita" id="{EBD8BC69-9270-4432-A09F-8FDDC06D8A5A}">
+          <p14:sldIdLst>
+            <p14:sldId id="256"/>
+            <p14:sldId id="257"/>
+            <p14:sldId id="258"/>
+            <p14:sldId id="259"/>
+            <p14:sldId id="261"/>
+            <p14:sldId id="260"/>
+            <p14:sldId id="262"/>
+            <p14:sldId id="263"/>
+            <p14:sldId id="264"/>
+            <p14:sldId id="265"/>
+            <p14:sldId id="266"/>
+            <p14:sldId id="267"/>
+            <p14:sldId id="271"/>
+            <p14:sldId id="272"/>
+            <p14:sldId id="273"/>
+            <p14:sldId id="274"/>
+            <p14:sldId id="275"/>
+            <p14:sldId id="268"/>
+            <p14:sldId id="269"/>
+            <p14:sldId id="276"/>
+            <p14:sldId id="270"/>
+            <p14:sldId id="277"/>
+            <p14:sldId id="278"/>
+            <p14:sldId id="282"/>
+            <p14:sldId id="279"/>
+          </p14:sldIdLst>
+        </p14:section>
+        <p14:section name="Sezione senza titolo" id="{C4120F42-F27A-45C6-82EA-9F7FF4464E1E}">
+          <p14:sldIdLst>
+            <p14:sldId id="280"/>
+            <p14:sldId id="281"/>
+            <p14:sldId id="283"/>
+            <p14:sldId id="284"/>
+            <p14:sldId id="285"/>
+            <p14:sldId id="286"/>
+            <p14:sldId id="287"/>
+          </p14:sldIdLst>
+        </p14:section>
+      </p14:sectionLst>
+    </p:ext>
+    <p:ext uri="{EFAFB233-063F-42B5-8137-9DF3F51BA10A}">
+      <p15:sldGuideLst xmlns:p15="http://schemas.microsoft.com/office/powerpoint/2012/main"/>
+    </p:ext>
+  </p:extLst>
 </p:presentation>
 </file>
 
@@ -3471,8 +3520,8 @@
           </a:p>
         </p:txBody>
       </p:sp>
-      <mc:AlternateContent xmlns:mc="http://schemas.openxmlformats.org/markup-compatibility/2006">
-        <mc:Choice xmlns:a14="http://schemas.microsoft.com/office/drawing/2010/main" Requires="a14">
+      <mc:AlternateContent xmlns:mc="http://schemas.openxmlformats.org/markup-compatibility/2006" xmlns:a14="http://schemas.microsoft.com/office/drawing/2010/main">
+        <mc:Choice Requires="a14">
           <p:sp>
             <p:nvSpPr>
               <p:cNvPr id="3" name="Segnaposto contenuto 2">
@@ -3631,7 +3680,7 @@
             </p:txBody>
           </p:sp>
         </mc:Choice>
-        <mc:Fallback>
+        <mc:Fallback xmlns="">
           <p:sp>
             <p:nvSpPr>
               <p:cNvPr id="3" name="Segnaposto contenuto 2">
@@ -4073,8 +4122,8 @@
           </a:p>
         </p:txBody>
       </p:sp>
-      <mc:AlternateContent xmlns:mc="http://schemas.openxmlformats.org/markup-compatibility/2006">
-        <mc:Choice xmlns:a14="http://schemas.microsoft.com/office/drawing/2010/main" Requires="a14">
+      <mc:AlternateContent xmlns:mc="http://schemas.openxmlformats.org/markup-compatibility/2006" xmlns:a14="http://schemas.microsoft.com/office/drawing/2010/main">
+        <mc:Choice Requires="a14">
           <p:sp>
             <p:nvSpPr>
               <p:cNvPr id="3" name="Segnaposto contenuto 2">
@@ -4279,7 +4328,7 @@
             </p:txBody>
           </p:sp>
         </mc:Choice>
-        <mc:Fallback>
+        <mc:Fallback xmlns="">
           <p:sp>
             <p:nvSpPr>
               <p:cNvPr id="3" name="Segnaposto contenuto 2">
@@ -4377,8 +4426,8 @@
           </a:p>
         </p:txBody>
       </p:sp>
-      <mc:AlternateContent xmlns:mc="http://schemas.openxmlformats.org/markup-compatibility/2006">
-        <mc:Choice xmlns:a14="http://schemas.microsoft.com/office/drawing/2010/main" Requires="a14">
+      <mc:AlternateContent xmlns:mc="http://schemas.openxmlformats.org/markup-compatibility/2006" xmlns:a14="http://schemas.microsoft.com/office/drawing/2010/main">
+        <mc:Choice Requires="a14">
           <p:sp>
             <p:nvSpPr>
               <p:cNvPr id="3" name="Segnaposto contenuto 2">
@@ -5182,7 +5231,7 @@
             </p:txBody>
           </p:sp>
         </mc:Choice>
-        <mc:Fallback>
+        <mc:Fallback xmlns="">
           <p:sp>
             <p:nvSpPr>
               <p:cNvPr id="3" name="Segnaposto contenuto 2">
@@ -5462,7 +5511,7 @@
               <a:buNone/>
             </a:pPr>
             <a:r>
-              <a:rPr lang="it-IT" sz="1800" dirty="0" err="1">
+              <a:rPr lang="it-IT" sz="1800" dirty="0">
                 <a:solidFill>
                   <a:srgbClr val="000000"/>
                 </a:solidFill>
@@ -5471,43 +5520,7 @@
                 <a:ea typeface="Times New Roman" panose="02020603050405020304" pitchFamily="18" charset="0"/>
                 <a:cs typeface="Times New Roman" panose="02020603050405020304" pitchFamily="18" charset="0"/>
               </a:rPr>
-              <a:t>Riprendimo</a:t>
-            </a:r>
-            <a:r>
-              <a:rPr lang="it-IT" sz="1800" dirty="0">
-                <a:solidFill>
-                  <a:srgbClr val="000000"/>
-                </a:solidFill>
-                <a:effectLst/>
-                <a:latin typeface="Arial" panose="020B0604020202020204" pitchFamily="34" charset="0"/>
-                <a:ea typeface="Times New Roman" panose="02020603050405020304" pitchFamily="18" charset="0"/>
-                <a:cs typeface="Times New Roman" panose="02020603050405020304" pitchFamily="18" charset="0"/>
-              </a:rPr>
-              <a:t> il modello </a:t>
-            </a:r>
-            <a:r>
-              <a:rPr lang="it-IT" sz="1800" dirty="0" err="1">
-                <a:solidFill>
-                  <a:srgbClr val="000000"/>
-                </a:solidFill>
-                <a:effectLst/>
-                <a:latin typeface="Arial" panose="020B0604020202020204" pitchFamily="34" charset="0"/>
-                <a:ea typeface="Times New Roman" panose="02020603050405020304" pitchFamily="18" charset="0"/>
-                <a:cs typeface="Times New Roman" panose="02020603050405020304" pitchFamily="18" charset="0"/>
-              </a:rPr>
-              <a:t>precedento</a:t>
-            </a:r>
-            <a:r>
-              <a:rPr lang="it-IT" sz="1800" dirty="0">
-                <a:solidFill>
-                  <a:srgbClr val="000000"/>
-                </a:solidFill>
-                <a:effectLst/>
-                <a:latin typeface="Arial" panose="020B0604020202020204" pitchFamily="34" charset="0"/>
-                <a:ea typeface="Times New Roman" panose="02020603050405020304" pitchFamily="18" charset="0"/>
-                <a:cs typeface="Times New Roman" panose="02020603050405020304" pitchFamily="18" charset="0"/>
-              </a:rPr>
-              <a:t>, però adesso introduciamo la possibilità di un disaccordo, accettiamo che ci sia una probabilità ϵ che i processi siano in disaccordo.</a:t>
+              <a:t>Riprendiamo il modello precedente, però adesso introduciamo la possibilità di un disaccordo, accettiamo che ci sia una probabilità ϵ che i processi siano in disaccordo.</a:t>
             </a:r>
             <a:endParaRPr lang="it-IT" sz="1800" dirty="0">
               <a:effectLst/>
@@ -5647,13 +5660,14 @@
           <a:bodyPr/>
           <a:lstStyle/>
           <a:p>
-            <a:pPr>
+            <a:pPr marL="0" indent="0">
               <a:lnSpc>
                 <a:spcPct val="107000"/>
               </a:lnSpc>
               <a:spcAft>
                 <a:spcPts val="800"/>
               </a:spcAft>
+              <a:buNone/>
             </a:pPr>
             <a:r>
               <a:rPr lang="it-IT" sz="1800" dirty="0">
@@ -5665,10 +5679,10 @@
                 <a:ea typeface="Times New Roman" panose="02020603050405020304" pitchFamily="18" charset="0"/>
                 <a:cs typeface="Times New Roman" panose="02020603050405020304" pitchFamily="18" charset="0"/>
               </a:rPr>
-              <a:t>Definiamo un </a:t>
-            </a:r>
-            <a:r>
-              <a:rPr lang="it-IT" sz="1800" i="1" dirty="0" err="1">
+              <a:t>Dire (</a:t>
+            </a:r>
+            <a:r>
+              <a:rPr lang="it-IT" sz="1800" dirty="0" err="1">
                 <a:solidFill>
                   <a:srgbClr val="000000"/>
                 </a:solidFill>
@@ -5677,7 +5691,19 @@
                 <a:ea typeface="Times New Roman" panose="02020603050405020304" pitchFamily="18" charset="0"/>
                 <a:cs typeface="Times New Roman" panose="02020603050405020304" pitchFamily="18" charset="0"/>
               </a:rPr>
-              <a:t>communication</a:t>
+              <a:t>i,j,k</a:t>
+            </a:r>
+            <a:r>
+              <a:rPr lang="it-IT" sz="1800" dirty="0">
+                <a:solidFill>
+                  <a:srgbClr val="000000"/>
+                </a:solidFill>
+                <a:effectLst/>
+                <a:latin typeface="Arial" panose="020B0604020202020204" pitchFamily="34" charset="0"/>
+                <a:ea typeface="Times New Roman" panose="02020603050405020304" pitchFamily="18" charset="0"/>
+                <a:cs typeface="Times New Roman" panose="02020603050405020304" pitchFamily="18" charset="0"/>
+              </a:rPr>
+              <a:t>) significa dire che è stato inviato un messaggio da </a:t>
             </a:r>
             <a:r>
               <a:rPr lang="it-IT" sz="1800" i="1" dirty="0">
@@ -5689,7 +5715,7 @@
                 <a:ea typeface="Times New Roman" panose="02020603050405020304" pitchFamily="18" charset="0"/>
                 <a:cs typeface="Times New Roman" panose="02020603050405020304" pitchFamily="18" charset="0"/>
               </a:rPr>
-              <a:t> pattern</a:t>
+              <a:t>i</a:t>
             </a:r>
             <a:r>
               <a:rPr lang="it-IT" sz="1800" dirty="0">
@@ -5701,7 +5727,55 @@
                 <a:ea typeface="Times New Roman" panose="02020603050405020304" pitchFamily="18" charset="0"/>
                 <a:cs typeface="Times New Roman" panose="02020603050405020304" pitchFamily="18" charset="0"/>
               </a:rPr>
-              <a:t> come un sottoinsieme ɣ:</a:t>
+              <a:t> a </a:t>
+            </a:r>
+            <a:r>
+              <a:rPr lang="it-IT" sz="1800" i="1" dirty="0">
+                <a:solidFill>
+                  <a:srgbClr val="000000"/>
+                </a:solidFill>
+                <a:effectLst/>
+                <a:latin typeface="Arial" panose="020B0604020202020204" pitchFamily="34" charset="0"/>
+                <a:ea typeface="Times New Roman" panose="02020603050405020304" pitchFamily="18" charset="0"/>
+                <a:cs typeface="Times New Roman" panose="02020603050405020304" pitchFamily="18" charset="0"/>
+              </a:rPr>
+              <a:t>j</a:t>
+            </a:r>
+            <a:r>
+              <a:rPr lang="it-IT" sz="1800" dirty="0">
+                <a:solidFill>
+                  <a:srgbClr val="000000"/>
+                </a:solidFill>
+                <a:effectLst/>
+                <a:latin typeface="Arial" panose="020B0604020202020204" pitchFamily="34" charset="0"/>
+                <a:ea typeface="Times New Roman" panose="02020603050405020304" pitchFamily="18" charset="0"/>
+                <a:cs typeface="Times New Roman" panose="02020603050405020304" pitchFamily="18" charset="0"/>
+              </a:rPr>
+              <a:t> durante il round </a:t>
+            </a:r>
+            <a:r>
+              <a:rPr lang="it-IT" sz="1800" i="1" dirty="0">
+                <a:solidFill>
+                  <a:srgbClr val="000000"/>
+                </a:solidFill>
+                <a:effectLst/>
+                <a:latin typeface="Arial" panose="020B0604020202020204" pitchFamily="34" charset="0"/>
+                <a:ea typeface="Times New Roman" panose="02020603050405020304" pitchFamily="18" charset="0"/>
+                <a:cs typeface="Times New Roman" panose="02020603050405020304" pitchFamily="18" charset="0"/>
+              </a:rPr>
+              <a:t>k</a:t>
+            </a:r>
+            <a:r>
+              <a:rPr lang="it-IT" sz="1800" dirty="0">
+                <a:solidFill>
+                  <a:srgbClr val="000000"/>
+                </a:solidFill>
+                <a:effectLst/>
+                <a:latin typeface="Arial" panose="020B0604020202020204" pitchFamily="34" charset="0"/>
+                <a:ea typeface="Times New Roman" panose="02020603050405020304" pitchFamily="18" charset="0"/>
+                <a:cs typeface="Times New Roman" panose="02020603050405020304" pitchFamily="18" charset="0"/>
+              </a:rPr>
+              <a:t> ed il messaggio è arrivato senza perdersi.</a:t>
             </a:r>
             <a:endParaRPr lang="it-IT" sz="1800" dirty="0">
               <a:effectLst/>
@@ -5711,22 +5785,62 @@
             </a:endParaRPr>
           </a:p>
           <a:p>
-            <a:pPr>
+            <a:pPr marL="0" indent="0">
               <a:lnSpc>
                 <a:spcPct val="107000"/>
               </a:lnSpc>
               <a:spcAft>
                 <a:spcPts val="800"/>
               </a:spcAft>
+              <a:buNone/>
             </a:pPr>
             <a:r>
               <a:rPr lang="it-IT" sz="1800" dirty="0">
-                <a:effectLst/>
-                <a:latin typeface="Times New Roman" panose="02020603050405020304" pitchFamily="18" charset="0"/>
+                <a:solidFill>
+                  <a:srgbClr val="000000"/>
+                </a:solidFill>
+                <a:effectLst/>
+                <a:latin typeface="Arial" panose="020B0604020202020204" pitchFamily="34" charset="0"/>
                 <a:ea typeface="Times New Roman" panose="02020603050405020304" pitchFamily="18" charset="0"/>
                 <a:cs typeface="Times New Roman" panose="02020603050405020304" pitchFamily="18" charset="0"/>
               </a:rPr>
-              <a:t> </a:t>
+              <a:t>Definiamo un </a:t>
+            </a:r>
+            <a:r>
+              <a:rPr lang="it-IT" sz="1800" i="1" dirty="0" err="1">
+                <a:solidFill>
+                  <a:srgbClr val="000000"/>
+                </a:solidFill>
+                <a:effectLst/>
+                <a:latin typeface="Arial" panose="020B0604020202020204" pitchFamily="34" charset="0"/>
+                <a:ea typeface="Times New Roman" panose="02020603050405020304" pitchFamily="18" charset="0"/>
+                <a:cs typeface="Times New Roman" panose="02020603050405020304" pitchFamily="18" charset="0"/>
+              </a:rPr>
+              <a:t>communication</a:t>
+            </a:r>
+            <a:r>
+              <a:rPr lang="it-IT" sz="1800" i="1" dirty="0">
+                <a:solidFill>
+                  <a:srgbClr val="000000"/>
+                </a:solidFill>
+                <a:effectLst/>
+                <a:latin typeface="Arial" panose="020B0604020202020204" pitchFamily="34" charset="0"/>
+                <a:ea typeface="Times New Roman" panose="02020603050405020304" pitchFamily="18" charset="0"/>
+                <a:cs typeface="Times New Roman" panose="02020603050405020304" pitchFamily="18" charset="0"/>
+              </a:rPr>
+              <a:t> pattern</a:t>
+            </a:r>
+            <a:r>
+              <a:rPr lang="it-IT" sz="1800" dirty="0">
+                <a:solidFill>
+                  <a:srgbClr val="000000"/>
+                </a:solidFill>
+                <a:effectLst/>
+                <a:latin typeface="Arial" panose="020B0604020202020204" pitchFamily="34" charset="0"/>
+                <a:ea typeface="Times New Roman" panose="02020603050405020304" pitchFamily="18" charset="0"/>
+                <a:cs typeface="Times New Roman" panose="02020603050405020304" pitchFamily="18" charset="0"/>
+              </a:rPr>
+              <a:t> come un sottoinsieme ɣ:</a:t>
             </a:r>
             <a:endParaRPr lang="it-IT" sz="1800" dirty="0">
               <a:effectLst/>
@@ -5876,13 +5990,14 @@
             </a:endParaRPr>
           </a:p>
           <a:p>
-            <a:pPr>
+            <a:pPr marL="0" indent="0">
               <a:lnSpc>
                 <a:spcPct val="107000"/>
               </a:lnSpc>
               <a:spcAft>
                 <a:spcPts val="800"/>
               </a:spcAft>
+              <a:buNone/>
             </a:pPr>
             <a:r>
               <a:rPr lang="it-IT" sz="1800" dirty="0">
@@ -5894,7 +6009,7 @@
                 <a:ea typeface="Times New Roman" panose="02020603050405020304" pitchFamily="18" charset="0"/>
                 <a:cs typeface="Times New Roman" panose="02020603050405020304" pitchFamily="18" charset="0"/>
               </a:rPr>
-              <a:t>Diciamo che il pattern ɣ è </a:t>
+              <a:t>E diciamo che il pattern ɣ è </a:t>
             </a:r>
             <a:r>
               <a:rPr lang="it-IT" sz="1800" i="1" dirty="0">
@@ -5955,130 +6070,6 @@
                 <a:cs typeface="Times New Roman" panose="02020603050405020304" pitchFamily="18" charset="0"/>
               </a:rPr>
               <a:t>r.</a:t>
-            </a:r>
-            <a:endParaRPr lang="it-IT" sz="1800" dirty="0">
-              <a:effectLst/>
-              <a:latin typeface="Calibri" panose="020F0502020204030204" pitchFamily="34" charset="0"/>
-              <a:ea typeface="Calibri" panose="020F0502020204030204" pitchFamily="34" charset="0"/>
-              <a:cs typeface="Times New Roman" panose="02020603050405020304" pitchFamily="18" charset="0"/>
-            </a:endParaRPr>
-          </a:p>
-          <a:p>
-            <a:pPr>
-              <a:lnSpc>
-                <a:spcPct val="107000"/>
-              </a:lnSpc>
-              <a:spcAft>
-                <a:spcPts val="800"/>
-              </a:spcAft>
-            </a:pPr>
-            <a:r>
-              <a:rPr lang="it-IT" sz="1800" dirty="0">
-                <a:solidFill>
-                  <a:srgbClr val="000000"/>
-                </a:solidFill>
-                <a:effectLst/>
-                <a:latin typeface="Arial" panose="020B0604020202020204" pitchFamily="34" charset="0"/>
-                <a:ea typeface="Times New Roman" panose="02020603050405020304" pitchFamily="18" charset="0"/>
-                <a:cs typeface="Times New Roman" panose="02020603050405020304" pitchFamily="18" charset="0"/>
-              </a:rPr>
-              <a:t>Dire (</a:t>
-            </a:r>
-            <a:r>
-              <a:rPr lang="it-IT" sz="1800" dirty="0" err="1">
-                <a:solidFill>
-                  <a:srgbClr val="000000"/>
-                </a:solidFill>
-                <a:effectLst/>
-                <a:latin typeface="Arial" panose="020B0604020202020204" pitchFamily="34" charset="0"/>
-                <a:ea typeface="Times New Roman" panose="02020603050405020304" pitchFamily="18" charset="0"/>
-                <a:cs typeface="Times New Roman" panose="02020603050405020304" pitchFamily="18" charset="0"/>
-              </a:rPr>
-              <a:t>i,j,k</a:t>
-            </a:r>
-            <a:r>
-              <a:rPr lang="it-IT" sz="1800" dirty="0">
-                <a:solidFill>
-                  <a:srgbClr val="000000"/>
-                </a:solidFill>
-                <a:effectLst/>
-                <a:latin typeface="Arial" panose="020B0604020202020204" pitchFamily="34" charset="0"/>
-                <a:ea typeface="Times New Roman" panose="02020603050405020304" pitchFamily="18" charset="0"/>
-                <a:cs typeface="Times New Roman" panose="02020603050405020304" pitchFamily="18" charset="0"/>
-              </a:rPr>
-              <a:t>) significa dire che è stato inviato un messaggio da </a:t>
-            </a:r>
-            <a:r>
-              <a:rPr lang="it-IT" sz="1800" i="1" dirty="0">
-                <a:solidFill>
-                  <a:srgbClr val="000000"/>
-                </a:solidFill>
-                <a:effectLst/>
-                <a:latin typeface="Arial" panose="020B0604020202020204" pitchFamily="34" charset="0"/>
-                <a:ea typeface="Times New Roman" panose="02020603050405020304" pitchFamily="18" charset="0"/>
-                <a:cs typeface="Times New Roman" panose="02020603050405020304" pitchFamily="18" charset="0"/>
-              </a:rPr>
-              <a:t>i</a:t>
-            </a:r>
-            <a:r>
-              <a:rPr lang="it-IT" sz="1800" dirty="0">
-                <a:solidFill>
-                  <a:srgbClr val="000000"/>
-                </a:solidFill>
-                <a:effectLst/>
-                <a:latin typeface="Arial" panose="020B0604020202020204" pitchFamily="34" charset="0"/>
-                <a:ea typeface="Times New Roman" panose="02020603050405020304" pitchFamily="18" charset="0"/>
-                <a:cs typeface="Times New Roman" panose="02020603050405020304" pitchFamily="18" charset="0"/>
-              </a:rPr>
-              <a:t> a </a:t>
-            </a:r>
-            <a:r>
-              <a:rPr lang="it-IT" sz="1800" i="1" dirty="0">
-                <a:solidFill>
-                  <a:srgbClr val="000000"/>
-                </a:solidFill>
-                <a:effectLst/>
-                <a:latin typeface="Arial" panose="020B0604020202020204" pitchFamily="34" charset="0"/>
-                <a:ea typeface="Times New Roman" panose="02020603050405020304" pitchFamily="18" charset="0"/>
-                <a:cs typeface="Times New Roman" panose="02020603050405020304" pitchFamily="18" charset="0"/>
-              </a:rPr>
-              <a:t>j</a:t>
-            </a:r>
-            <a:r>
-              <a:rPr lang="it-IT" sz="1800" dirty="0">
-                <a:solidFill>
-                  <a:srgbClr val="000000"/>
-                </a:solidFill>
-                <a:effectLst/>
-                <a:latin typeface="Arial" panose="020B0604020202020204" pitchFamily="34" charset="0"/>
-                <a:ea typeface="Times New Roman" panose="02020603050405020304" pitchFamily="18" charset="0"/>
-                <a:cs typeface="Times New Roman" panose="02020603050405020304" pitchFamily="18" charset="0"/>
-              </a:rPr>
-              <a:t> durante il round </a:t>
-            </a:r>
-            <a:r>
-              <a:rPr lang="it-IT" sz="1800" i="1" dirty="0">
-                <a:solidFill>
-                  <a:srgbClr val="000000"/>
-                </a:solidFill>
-                <a:effectLst/>
-                <a:latin typeface="Arial" panose="020B0604020202020204" pitchFamily="34" charset="0"/>
-                <a:ea typeface="Times New Roman" panose="02020603050405020304" pitchFamily="18" charset="0"/>
-                <a:cs typeface="Times New Roman" panose="02020603050405020304" pitchFamily="18" charset="0"/>
-              </a:rPr>
-              <a:t>k</a:t>
-            </a:r>
-            <a:r>
-              <a:rPr lang="it-IT" sz="1800" dirty="0">
-                <a:solidFill>
-                  <a:srgbClr val="000000"/>
-                </a:solidFill>
-                <a:effectLst/>
-                <a:latin typeface="Arial" panose="020B0604020202020204" pitchFamily="34" charset="0"/>
-                <a:ea typeface="Times New Roman" panose="02020603050405020304" pitchFamily="18" charset="0"/>
-                <a:cs typeface="Times New Roman" panose="02020603050405020304" pitchFamily="18" charset="0"/>
-              </a:rPr>
-              <a:t> ed il messaggio è arrivato senza perdersi.</a:t>
             </a:r>
             <a:endParaRPr lang="it-IT" sz="1800" dirty="0">
               <a:effectLst/>
@@ -6431,6 +6422,9 @@
           <a:bodyPr/>
           <a:lstStyle/>
           <a:p>
+            <a:pPr marL="0" indent="0">
+              <a:buNone/>
+            </a:pPr>
             <a:r>
               <a:rPr lang="it-IT" sz="1800" dirty="0">
                 <a:solidFill>
@@ -6441,7 +6435,43 @@
                 <a:ea typeface="Times New Roman" panose="02020603050405020304" pitchFamily="18" charset="0"/>
                 <a:cs typeface="Times New Roman" panose="02020603050405020304" pitchFamily="18" charset="0"/>
               </a:rPr>
-              <a:t>Un possibile avversario è una combinazione di: 1 l’assegnamento di un input a tutti i processi, 2 un pattern “</a:t>
+              <a:t>Un possibile avversario è una combinazione di: </a:t>
+            </a:r>
+          </a:p>
+          <a:p>
+            <a:pPr marL="342900" indent="-342900">
+              <a:buFont typeface="+mj-lt"/>
+              <a:buAutoNum type="arabicPeriod"/>
+            </a:pPr>
+            <a:r>
+              <a:rPr lang="it-IT" sz="1800" dirty="0">
+                <a:solidFill>
+                  <a:srgbClr val="000000"/>
+                </a:solidFill>
+                <a:effectLst/>
+                <a:latin typeface="Arial" panose="020B0604020202020204" pitchFamily="34" charset="0"/>
+                <a:ea typeface="Times New Roman" panose="02020603050405020304" pitchFamily="18" charset="0"/>
+                <a:cs typeface="Times New Roman" panose="02020603050405020304" pitchFamily="18" charset="0"/>
+              </a:rPr>
+              <a:t>l’assegnamento di un input a tutti i processi,</a:t>
+            </a:r>
+          </a:p>
+          <a:p>
+            <a:pPr marL="342900" indent="-342900">
+              <a:buFont typeface="+mj-lt"/>
+              <a:buAutoNum type="arabicPeriod"/>
+            </a:pPr>
+            <a:r>
+              <a:rPr lang="it-IT" sz="1800" dirty="0">
+                <a:solidFill>
+                  <a:srgbClr val="000000"/>
+                </a:solidFill>
+                <a:effectLst/>
+                <a:latin typeface="Arial" panose="020B0604020202020204" pitchFamily="34" charset="0"/>
+                <a:ea typeface="Times New Roman" panose="02020603050405020304" pitchFamily="18" charset="0"/>
+                <a:cs typeface="Times New Roman" panose="02020603050405020304" pitchFamily="18" charset="0"/>
+              </a:rPr>
+              <a:t>un pattern “</a:t>
             </a:r>
             <a:r>
               <a:rPr lang="it-IT" sz="1800" i="1" dirty="0">
@@ -6465,16 +6495,8 @@
                 <a:ea typeface="Times New Roman" panose="02020603050405020304" pitchFamily="18" charset="0"/>
                 <a:cs typeface="Times New Roman" panose="02020603050405020304" pitchFamily="18" charset="0"/>
               </a:rPr>
-              <a:t>”. Ricordiamo che stiamo cercando l’avversario che rende le cose più difficili possibile.</a:t>
-            </a:r>
-            <a:endParaRPr lang="it-IT" sz="1800" dirty="0">
-              <a:effectLst/>
-              <a:latin typeface="Calibri" panose="020F0502020204030204" pitchFamily="34" charset="0"/>
-              <a:ea typeface="Calibri" panose="020F0502020204030204" pitchFamily="34" charset="0"/>
-              <a:cs typeface="Times New Roman" panose="02020603050405020304" pitchFamily="18" charset="0"/>
-            </a:endParaRPr>
-          </a:p>
-          <a:p>
+              <a:t>”, in pratica una sequenza di messaggi su r rounds</a:t>
+            </a:r>
             <a:endParaRPr lang="it-IT" dirty="0"/>
           </a:p>
         </p:txBody>
@@ -7702,22 +7724,10 @@
             </a:r>
           </a:p>
           <a:p>
+            <a:pPr marL="0" indent="0">
+              <a:buNone/>
+            </a:pPr>
             <a:endParaRPr lang="en-US" dirty="0"/>
-          </a:p>
-          <a:p>
-            <a:r>
-              <a:rPr lang="en-US" dirty="0"/>
-              <a:t>Lemma 5.3 If'7 is the "complete" communication pattern containing all triples (</a:t>
-            </a:r>
-            <a:r>
-              <a:rPr lang="en-US" dirty="0" err="1"/>
-              <a:t>i,j</a:t>
-            </a:r>
-            <a:r>
-              <a:rPr lang="en-US" dirty="0"/>
-              <a:t>, k), 1 </a:t>
-            </a:r>
-            <a:endParaRPr lang="it-IT" dirty="0"/>
           </a:p>
         </p:txBody>
       </p:sp>
@@ -7814,9 +7824,9 @@
           <a:bodyPr/>
           <a:lstStyle/>
           <a:p>
-            <a:endParaRPr lang="en-US" dirty="0"/>
-          </a:p>
-          <a:p>
+            <a:pPr marL="0" indent="0">
+              <a:buNone/>
+            </a:pPr>
             <a:r>
               <a:rPr lang="en-US" dirty="0"/>
               <a:t>Se tutti </a:t>
@@ -7900,11 +7910,11 @@
             </a:pPr>
             <a:r>
               <a:rPr lang="it-IT" dirty="0" err="1"/>
-              <a:t>level</a:t>
+              <a:t>levelγ</a:t>
             </a:r>
             <a:r>
               <a:rPr lang="it-IT" dirty="0"/>
-              <a:t>~(i, k)- k</a:t>
+              <a:t>(i, k)=k</a:t>
             </a:r>
           </a:p>
           <a:p>
@@ -7912,6 +7922,315 @@
               <a:buNone/>
             </a:pPr>
             <a:endParaRPr lang="it-IT" dirty="0"/>
+          </a:p>
+        </p:txBody>
+      </p:sp>
+      <p:pic>
+        <p:nvPicPr>
+          <p:cNvPr id="4" name="Immagine 3">
+            <a:extLst>
+              <a:ext uri="{FF2B5EF4-FFF2-40B4-BE49-F238E27FC236}">
+                <a16:creationId xmlns:a16="http://schemas.microsoft.com/office/drawing/2014/main" id="{8EA79D77-E0BF-461F-B01A-108A0A8C7F68}"/>
+              </a:ext>
+            </a:extLst>
+          </p:cNvPr>
+          <p:cNvPicPr>
+            <a:picLocks noChangeAspect="1"/>
+          </p:cNvPicPr>
+          <p:nvPr/>
+        </p:nvPicPr>
+        <p:blipFill rotWithShape="1">
+          <a:blip r:embed="rId2"/>
+          <a:srcRect t="10158"/>
+          <a:stretch/>
+        </p:blipFill>
+        <p:spPr>
+          <a:xfrm>
+            <a:off x="4850676" y="3225800"/>
+            <a:ext cx="3212670" cy="3429000"/>
+          </a:xfrm>
+          <a:prstGeom prst="rect">
+            <a:avLst/>
+          </a:prstGeom>
+        </p:spPr>
+      </p:pic>
+      <p:sp>
+        <p:nvSpPr>
+          <p:cNvPr id="5" name="CasellaDiTesto 4">
+            <a:extLst>
+              <a:ext uri="{FF2B5EF4-FFF2-40B4-BE49-F238E27FC236}">
+                <a16:creationId xmlns:a16="http://schemas.microsoft.com/office/drawing/2014/main" id="{48856159-2715-4FEE-9EEC-3B15D8E16DA3}"/>
+              </a:ext>
+            </a:extLst>
+          </p:cNvPr>
+          <p:cNvSpPr txBox="1"/>
+          <p:nvPr/>
+        </p:nvSpPr>
+        <p:spPr>
+          <a:xfrm>
+            <a:off x="5273964" y="2915722"/>
+            <a:ext cx="317716" cy="369332"/>
+          </a:xfrm>
+          <a:prstGeom prst="rect">
+            <a:avLst/>
+          </a:prstGeom>
+          <a:noFill/>
+        </p:spPr>
+        <p:txBody>
+          <a:bodyPr wrap="none" rtlCol="0">
+            <a:spAutoFit/>
+          </a:bodyPr>
+          <a:lstStyle/>
+          <a:p>
+            <a:r>
+              <a:rPr lang="it-IT" dirty="0"/>
+              <a:t>A</a:t>
+            </a:r>
+          </a:p>
+        </p:txBody>
+      </p:sp>
+      <p:sp>
+        <p:nvSpPr>
+          <p:cNvPr id="6" name="CasellaDiTesto 5">
+            <a:extLst>
+              <a:ext uri="{FF2B5EF4-FFF2-40B4-BE49-F238E27FC236}">
+                <a16:creationId xmlns:a16="http://schemas.microsoft.com/office/drawing/2014/main" id="{890E4386-71E8-494D-96E7-3323E0E514FF}"/>
+              </a:ext>
+            </a:extLst>
+          </p:cNvPr>
+          <p:cNvSpPr txBox="1"/>
+          <p:nvPr/>
+        </p:nvSpPr>
+        <p:spPr>
+          <a:xfrm>
+            <a:off x="7005782" y="2929247"/>
+            <a:ext cx="317716" cy="369332"/>
+          </a:xfrm>
+          <a:prstGeom prst="rect">
+            <a:avLst/>
+          </a:prstGeom>
+          <a:noFill/>
+        </p:spPr>
+        <p:txBody>
+          <a:bodyPr wrap="none" rtlCol="0">
+            <a:spAutoFit/>
+          </a:bodyPr>
+          <a:lstStyle/>
+          <a:p>
+            <a:r>
+              <a:rPr lang="it-IT" dirty="0"/>
+              <a:t>B</a:t>
+            </a:r>
+          </a:p>
+        </p:txBody>
+      </p:sp>
+      <p:sp>
+        <p:nvSpPr>
+          <p:cNvPr id="7" name="CasellaDiTesto 6">
+            <a:extLst>
+              <a:ext uri="{FF2B5EF4-FFF2-40B4-BE49-F238E27FC236}">
+                <a16:creationId xmlns:a16="http://schemas.microsoft.com/office/drawing/2014/main" id="{EB3B4030-E39C-4C1A-9EC8-08D7F9C91E22}"/>
+              </a:ext>
+            </a:extLst>
+          </p:cNvPr>
+          <p:cNvSpPr txBox="1"/>
+          <p:nvPr/>
+        </p:nvSpPr>
+        <p:spPr>
+          <a:xfrm>
+            <a:off x="7323498" y="4110182"/>
+            <a:ext cx="301686" cy="369332"/>
+          </a:xfrm>
+          <a:prstGeom prst="rect">
+            <a:avLst/>
+          </a:prstGeom>
+          <a:noFill/>
+        </p:spPr>
+        <p:txBody>
+          <a:bodyPr wrap="none" rtlCol="0">
+            <a:spAutoFit/>
+          </a:bodyPr>
+          <a:lstStyle/>
+          <a:p>
+            <a:r>
+              <a:rPr lang="it-IT" dirty="0"/>
+              <a:t>2</a:t>
+            </a:r>
+          </a:p>
+        </p:txBody>
+      </p:sp>
+      <p:sp>
+        <p:nvSpPr>
+          <p:cNvPr id="8" name="CasellaDiTesto 7">
+            <a:extLst>
+              <a:ext uri="{FF2B5EF4-FFF2-40B4-BE49-F238E27FC236}">
+                <a16:creationId xmlns:a16="http://schemas.microsoft.com/office/drawing/2014/main" id="{DC57A9C1-C654-4775-8535-7267783BA3F3}"/>
+              </a:ext>
+            </a:extLst>
+          </p:cNvPr>
+          <p:cNvSpPr txBox="1"/>
+          <p:nvPr/>
+        </p:nvSpPr>
+        <p:spPr>
+          <a:xfrm>
+            <a:off x="4972278" y="4128594"/>
+            <a:ext cx="301686" cy="369332"/>
+          </a:xfrm>
+          <a:prstGeom prst="rect">
+            <a:avLst/>
+          </a:prstGeom>
+          <a:noFill/>
+        </p:spPr>
+        <p:txBody>
+          <a:bodyPr wrap="none" rtlCol="0">
+            <a:spAutoFit/>
+          </a:bodyPr>
+          <a:lstStyle/>
+          <a:p>
+            <a:r>
+              <a:rPr lang="it-IT" dirty="0"/>
+              <a:t>2</a:t>
+            </a:r>
+          </a:p>
+        </p:txBody>
+      </p:sp>
+      <p:sp>
+        <p:nvSpPr>
+          <p:cNvPr id="9" name="CasellaDiTesto 8">
+            <a:extLst>
+              <a:ext uri="{FF2B5EF4-FFF2-40B4-BE49-F238E27FC236}">
+                <a16:creationId xmlns:a16="http://schemas.microsoft.com/office/drawing/2014/main" id="{5E848DB3-6FFA-4D05-930C-3C310314B009}"/>
+              </a:ext>
+            </a:extLst>
+          </p:cNvPr>
+          <p:cNvSpPr txBox="1"/>
+          <p:nvPr/>
+        </p:nvSpPr>
+        <p:spPr>
+          <a:xfrm>
+            <a:off x="7323498" y="4994564"/>
+            <a:ext cx="301686" cy="369332"/>
+          </a:xfrm>
+          <a:prstGeom prst="rect">
+            <a:avLst/>
+          </a:prstGeom>
+          <a:noFill/>
+        </p:spPr>
+        <p:txBody>
+          <a:bodyPr wrap="none" rtlCol="0">
+            <a:spAutoFit/>
+          </a:bodyPr>
+          <a:lstStyle/>
+          <a:p>
+            <a:r>
+              <a:rPr lang="it-IT" dirty="0"/>
+              <a:t>3</a:t>
+            </a:r>
+          </a:p>
+        </p:txBody>
+      </p:sp>
+      <p:sp>
+        <p:nvSpPr>
+          <p:cNvPr id="10" name="CasellaDiTesto 9">
+            <a:extLst>
+              <a:ext uri="{FF2B5EF4-FFF2-40B4-BE49-F238E27FC236}">
+                <a16:creationId xmlns:a16="http://schemas.microsoft.com/office/drawing/2014/main" id="{05A32073-5BBE-4341-8CBA-70EE444F06B1}"/>
+              </a:ext>
+            </a:extLst>
+          </p:cNvPr>
+          <p:cNvSpPr txBox="1"/>
+          <p:nvPr/>
+        </p:nvSpPr>
+        <p:spPr>
+          <a:xfrm>
+            <a:off x="4972278" y="5031388"/>
+            <a:ext cx="301686" cy="369332"/>
+          </a:xfrm>
+          <a:prstGeom prst="rect">
+            <a:avLst/>
+          </a:prstGeom>
+          <a:noFill/>
+        </p:spPr>
+        <p:txBody>
+          <a:bodyPr wrap="none" rtlCol="0">
+            <a:spAutoFit/>
+          </a:bodyPr>
+          <a:lstStyle/>
+          <a:p>
+            <a:r>
+              <a:rPr lang="it-IT" dirty="0"/>
+              <a:t>3</a:t>
+            </a:r>
+          </a:p>
+        </p:txBody>
+      </p:sp>
+      <p:sp>
+        <p:nvSpPr>
+          <p:cNvPr id="11" name="CasellaDiTesto 10">
+            <a:extLst>
+              <a:ext uri="{FF2B5EF4-FFF2-40B4-BE49-F238E27FC236}">
+                <a16:creationId xmlns:a16="http://schemas.microsoft.com/office/drawing/2014/main" id="{5C387E84-8DCD-4EC7-B2A8-B21FF86A6BBE}"/>
+              </a:ext>
+            </a:extLst>
+          </p:cNvPr>
+          <p:cNvSpPr txBox="1"/>
+          <p:nvPr/>
+        </p:nvSpPr>
+        <p:spPr>
+          <a:xfrm>
+            <a:off x="7313793" y="5896080"/>
+            <a:ext cx="301686" cy="369332"/>
+          </a:xfrm>
+          <a:prstGeom prst="rect">
+            <a:avLst/>
+          </a:prstGeom>
+          <a:noFill/>
+        </p:spPr>
+        <p:txBody>
+          <a:bodyPr wrap="none" rtlCol="0">
+            <a:spAutoFit/>
+          </a:bodyPr>
+          <a:lstStyle/>
+          <a:p>
+            <a:r>
+              <a:rPr lang="it-IT" dirty="0"/>
+              <a:t>4</a:t>
+            </a:r>
+          </a:p>
+        </p:txBody>
+      </p:sp>
+      <p:sp>
+        <p:nvSpPr>
+          <p:cNvPr id="12" name="CasellaDiTesto 11">
+            <a:extLst>
+              <a:ext uri="{FF2B5EF4-FFF2-40B4-BE49-F238E27FC236}">
+                <a16:creationId xmlns:a16="http://schemas.microsoft.com/office/drawing/2014/main" id="{02CA2C69-DE86-40F6-8EB0-F87F693DB8C8}"/>
+              </a:ext>
+            </a:extLst>
+          </p:cNvPr>
+          <p:cNvSpPr txBox="1"/>
+          <p:nvPr/>
+        </p:nvSpPr>
+        <p:spPr>
+          <a:xfrm>
+            <a:off x="4976192" y="5933168"/>
+            <a:ext cx="301686" cy="369332"/>
+          </a:xfrm>
+          <a:prstGeom prst="rect">
+            <a:avLst/>
+          </a:prstGeom>
+          <a:noFill/>
+        </p:spPr>
+        <p:txBody>
+          <a:bodyPr wrap="none" rtlCol="0">
+            <a:spAutoFit/>
+          </a:bodyPr>
+          <a:lstStyle/>
+          <a:p>
+            <a:r>
+              <a:rPr lang="it-IT" dirty="0"/>
+              <a:t>4</a:t>
+            </a:r>
           </a:p>
         </p:txBody>
       </p:sp>
@@ -8049,12 +8368,6 @@
               </a:rPr>
               <a:t>(e di quello degli altri), e di un valore “key”.</a:t>
             </a:r>
-            <a:endParaRPr lang="it-IT" sz="1800" dirty="0">
-              <a:effectLst/>
-              <a:latin typeface="Calibri" panose="020F0502020204030204" pitchFamily="34" charset="0"/>
-              <a:ea typeface="Calibri" panose="020F0502020204030204" pitchFamily="34" charset="0"/>
-              <a:cs typeface="Times New Roman" panose="02020603050405020304" pitchFamily="18" charset="0"/>
-            </a:endParaRPr>
           </a:p>
           <a:p>
             <a:pPr>
@@ -8066,7 +8379,7 @@
               </a:spcAft>
             </a:pPr>
             <a:r>
-              <a:rPr lang="it-IT" sz="1800" i="1" dirty="0">
+              <a:rPr lang="it-IT" sz="1800" dirty="0">
                 <a:solidFill>
                   <a:srgbClr val="000000"/>
                 </a:solidFill>
@@ -8075,44 +8388,14 @@
                 <a:ea typeface="Times New Roman" panose="02020603050405020304" pitchFamily="18" charset="0"/>
                 <a:cs typeface="Times New Roman" panose="02020603050405020304" pitchFamily="18" charset="0"/>
               </a:rPr>
-              <a:t>key </a:t>
-            </a:r>
-            <a:r>
-              <a:rPr lang="it-IT" sz="1800" dirty="0">
-                <a:solidFill>
-                  <a:srgbClr val="000000"/>
-                </a:solidFill>
-                <a:effectLst/>
-                <a:latin typeface="Arial" panose="020B0604020202020204" pitchFamily="34" charset="0"/>
-                <a:ea typeface="Times New Roman" panose="02020603050405020304" pitchFamily="18" charset="0"/>
-                <a:cs typeface="Times New Roman" panose="02020603050405020304" pitchFamily="18" charset="0"/>
-              </a:rPr>
-              <a:t>è un intero compreso tra 1 ed </a:t>
-            </a:r>
-            <a:r>
-              <a:rPr lang="it-IT" sz="1800" i="1" dirty="0">
-                <a:solidFill>
-                  <a:srgbClr val="000000"/>
-                </a:solidFill>
-                <a:effectLst/>
-                <a:latin typeface="Arial" panose="020B0604020202020204" pitchFamily="34" charset="0"/>
-                <a:ea typeface="Times New Roman" panose="02020603050405020304" pitchFamily="18" charset="0"/>
-                <a:cs typeface="Times New Roman" panose="02020603050405020304" pitchFamily="18" charset="0"/>
-              </a:rPr>
-              <a:t>r, </a:t>
-            </a:r>
-            <a:r>
-              <a:rPr lang="it-IT" sz="1800" dirty="0">
-                <a:solidFill>
-                  <a:srgbClr val="000000"/>
-                </a:solidFill>
-                <a:effectLst/>
-                <a:latin typeface="Arial" panose="020B0604020202020204" pitchFamily="34" charset="0"/>
-                <a:ea typeface="Times New Roman" panose="02020603050405020304" pitchFamily="18" charset="0"/>
-                <a:cs typeface="Times New Roman" panose="02020603050405020304" pitchFamily="18" charset="0"/>
-              </a:rPr>
-              <a:t>deciso dal processo n°1</a:t>
-            </a:r>
+              <a:t>Ogni nodo tiene traccia di tutti i valori di decisione iniziali degli altri nodi.</a:t>
+            </a:r>
+            <a:endParaRPr lang="it-IT" sz="1800" dirty="0">
+              <a:effectLst/>
+              <a:latin typeface="Calibri" panose="020F0502020204030204" pitchFamily="34" charset="0"/>
+              <a:ea typeface="Calibri" panose="020F0502020204030204" pitchFamily="34" charset="0"/>
+              <a:cs typeface="Times New Roman" panose="02020603050405020304" pitchFamily="18" charset="0"/>
+            </a:endParaRPr>
           </a:p>
           <a:p>
             <a:pPr>
@@ -8124,25 +8407,53 @@
               </a:spcAft>
             </a:pPr>
             <a:r>
+              <a:rPr lang="it-IT" sz="1800" i="1" dirty="0">
+                <a:solidFill>
+                  <a:srgbClr val="000000"/>
+                </a:solidFill>
+                <a:effectLst/>
+                <a:latin typeface="Arial" panose="020B0604020202020204" pitchFamily="34" charset="0"/>
+                <a:ea typeface="Times New Roman" panose="02020603050405020304" pitchFamily="18" charset="0"/>
+                <a:cs typeface="Times New Roman" panose="02020603050405020304" pitchFamily="18" charset="0"/>
+              </a:rPr>
+              <a:t>key </a:t>
+            </a:r>
+            <a:r>
               <a:rPr lang="it-IT" sz="1800" dirty="0">
                 <a:solidFill>
                   <a:srgbClr val="000000"/>
                 </a:solidFill>
+                <a:effectLst/>
                 <a:latin typeface="Arial" panose="020B0604020202020204" pitchFamily="34" charset="0"/>
                 <a:ea typeface="Times New Roman" panose="02020603050405020304" pitchFamily="18" charset="0"/>
                 <a:cs typeface="Times New Roman" panose="02020603050405020304" pitchFamily="18" charset="0"/>
               </a:rPr>
-              <a:t>Concetto telefono senza fili</a:t>
-            </a:r>
-            <a:endParaRPr lang="it-IT" sz="1800" dirty="0">
-              <a:solidFill>
-                <a:srgbClr val="000000"/>
-              </a:solidFill>
-              <a:effectLst/>
-              <a:latin typeface="Arial" panose="020B0604020202020204" pitchFamily="34" charset="0"/>
-              <a:ea typeface="Times New Roman" panose="02020603050405020304" pitchFamily="18" charset="0"/>
-              <a:cs typeface="Times New Roman" panose="02020603050405020304" pitchFamily="18" charset="0"/>
-            </a:endParaRPr>
+              <a:t>è un intero compreso tra 1 ed </a:t>
+            </a:r>
+            <a:r>
+              <a:rPr lang="it-IT" sz="1800" i="1" dirty="0">
+                <a:solidFill>
+                  <a:srgbClr val="000000"/>
+                </a:solidFill>
+                <a:effectLst/>
+                <a:latin typeface="Arial" panose="020B0604020202020204" pitchFamily="34" charset="0"/>
+                <a:ea typeface="Times New Roman" panose="02020603050405020304" pitchFamily="18" charset="0"/>
+                <a:cs typeface="Times New Roman" panose="02020603050405020304" pitchFamily="18" charset="0"/>
+              </a:rPr>
+              <a:t>r, </a:t>
+            </a:r>
+            <a:r>
+              <a:rPr lang="it-IT" sz="1800" dirty="0">
+                <a:solidFill>
+                  <a:srgbClr val="000000"/>
+                </a:solidFill>
+                <a:effectLst/>
+                <a:latin typeface="Arial" panose="020B0604020202020204" pitchFamily="34" charset="0"/>
+                <a:ea typeface="Times New Roman" panose="02020603050405020304" pitchFamily="18" charset="0"/>
+                <a:cs typeface="Times New Roman" panose="02020603050405020304" pitchFamily="18" charset="0"/>
+              </a:rPr>
+              <a:t>deciso dal processo n°1</a:t>
+            </a:r>
           </a:p>
           <a:p>
             <a:pPr>
@@ -8158,17 +8469,85 @@
                 <a:solidFill>
                   <a:srgbClr val="000000"/>
                 </a:solidFill>
-                <a:effectLst/>
                 <a:latin typeface="Arial" panose="020B0604020202020204" pitchFamily="34" charset="0"/>
                 <a:ea typeface="Times New Roman" panose="02020603050405020304" pitchFamily="18" charset="0"/>
                 <a:cs typeface="Times New Roman" panose="02020603050405020304" pitchFamily="18" charset="0"/>
               </a:rPr>
-              <a:t>Ogni nodo tiene traccia di tutti i valori di decisione iniziali degli altri nodi.</a:t>
+              <a:t>Key, </a:t>
+            </a:r>
+            <a:r>
+              <a:rPr lang="it-IT" sz="1800" dirty="0" err="1">
+                <a:solidFill>
+                  <a:srgbClr val="000000"/>
+                </a:solidFill>
+                <a:latin typeface="Arial" panose="020B0604020202020204" pitchFamily="34" charset="0"/>
+                <a:ea typeface="Times New Roman" panose="02020603050405020304" pitchFamily="18" charset="0"/>
+                <a:cs typeface="Times New Roman" panose="02020603050405020304" pitchFamily="18" charset="0"/>
+              </a:rPr>
+              <a:t>value</a:t>
+            </a:r>
+            <a:r>
+              <a:rPr lang="it-IT" sz="1800" dirty="0">
+                <a:solidFill>
+                  <a:srgbClr val="000000"/>
+                </a:solidFill>
+                <a:latin typeface="Arial" panose="020B0604020202020204" pitchFamily="34" charset="0"/>
+                <a:ea typeface="Times New Roman" panose="02020603050405020304" pitchFamily="18" charset="0"/>
+                <a:cs typeface="Times New Roman" panose="02020603050405020304" pitchFamily="18" charset="0"/>
+              </a:rPr>
+              <a:t> e </a:t>
+            </a:r>
+            <a:r>
+              <a:rPr lang="it-IT" sz="1800" dirty="0" err="1">
+                <a:solidFill>
+                  <a:srgbClr val="000000"/>
+                </a:solidFill>
+                <a:latin typeface="Arial" panose="020B0604020202020204" pitchFamily="34" charset="0"/>
+                <a:ea typeface="Times New Roman" panose="02020603050405020304" pitchFamily="18" charset="0"/>
+                <a:cs typeface="Times New Roman" panose="02020603050405020304" pitchFamily="18" charset="0"/>
+              </a:rPr>
+              <a:t>level</a:t>
+            </a:r>
+            <a:r>
+              <a:rPr lang="it-IT" sz="1800" dirty="0">
+                <a:solidFill>
+                  <a:srgbClr val="000000"/>
+                </a:solidFill>
+                <a:latin typeface="Arial" panose="020B0604020202020204" pitchFamily="34" charset="0"/>
+                <a:ea typeface="Times New Roman" panose="02020603050405020304" pitchFamily="18" charset="0"/>
+                <a:cs typeface="Times New Roman" panose="02020603050405020304" pitchFamily="18" charset="0"/>
+              </a:rPr>
+              <a:t> sono diffusi tra un nodo e l’altro, </a:t>
+            </a:r>
+            <a:r>
+              <a:rPr lang="it-IT" sz="1800" dirty="0" err="1">
+                <a:solidFill>
+                  <a:srgbClr val="000000"/>
+                </a:solidFill>
+                <a:latin typeface="Arial" panose="020B0604020202020204" pitchFamily="34" charset="0"/>
+                <a:ea typeface="Times New Roman" panose="02020603050405020304" pitchFamily="18" charset="0"/>
+                <a:cs typeface="Times New Roman" panose="02020603050405020304" pitchFamily="18" charset="0"/>
+              </a:rPr>
+              <a:t>piggybacked</a:t>
+            </a:r>
+            <a:r>
+              <a:rPr lang="it-IT" sz="1800" dirty="0">
+                <a:solidFill>
+                  <a:srgbClr val="000000"/>
+                </a:solidFill>
+                <a:latin typeface="Arial" panose="020B0604020202020204" pitchFamily="34" charset="0"/>
+                <a:ea typeface="Times New Roman" panose="02020603050405020304" pitchFamily="18" charset="0"/>
+                <a:cs typeface="Times New Roman" panose="02020603050405020304" pitchFamily="18" charset="0"/>
+              </a:rPr>
+              <a:t> nei messaggi</a:t>
             </a:r>
             <a:endParaRPr lang="it-IT" sz="1800" dirty="0">
+              <a:solidFill>
+                <a:srgbClr val="000000"/>
+              </a:solidFill>
               <a:effectLst/>
-              <a:latin typeface="Calibri" panose="020F0502020204030204" pitchFamily="34" charset="0"/>
-              <a:ea typeface="Calibri" panose="020F0502020204030204" pitchFamily="34" charset="0"/>
+              <a:latin typeface="Arial" panose="020B0604020202020204" pitchFamily="34" charset="0"/>
+              <a:ea typeface="Times New Roman" panose="02020603050405020304" pitchFamily="18" charset="0"/>
               <a:cs typeface="Times New Roman" panose="02020603050405020304" pitchFamily="18" charset="0"/>
             </a:endParaRPr>
           </a:p>
@@ -8355,7 +8734,7 @@
         <p:spPr/>
         <p:txBody>
           <a:bodyPr>
-            <a:normAutofit fontScale="92500" lnSpcReduction="10000"/>
+            <a:normAutofit/>
           </a:bodyPr>
           <a:lstStyle/>
           <a:p>
@@ -8371,7 +8750,7 @@
             </a:r>
             <a:r>
               <a:rPr lang="it-IT" sz="1400" dirty="0"/>
-              <a:t>~:</a:t>
+              <a:t>:</a:t>
             </a:r>
           </a:p>
           <a:p>
@@ -8383,15 +8762,7 @@
             </a:pPr>
             <a:r>
               <a:rPr lang="it-IT" sz="1400" dirty="0"/>
-              <a:t>rounds E 1% </a:t>
-            </a:r>
-            <a:r>
-              <a:rPr lang="it-IT" sz="1400" dirty="0" err="1"/>
-              <a:t>initially</a:t>
-            </a:r>
-            <a:r>
-              <a:rPr lang="it-IT" sz="1400" dirty="0"/>
-              <a:t> 0</a:t>
+              <a:t>rounds = 0</a:t>
             </a:r>
           </a:p>
           <a:p>
@@ -8407,7 +8778,7 @@
             </a:r>
             <a:r>
               <a:rPr lang="it-IT" sz="1400" dirty="0"/>
-              <a:t> E {</a:t>
+              <a:t> = </a:t>
             </a:r>
             <a:r>
               <a:rPr lang="it-IT" sz="1400" dirty="0" err="1"/>
@@ -8415,21 +8786,16 @@
             </a:r>
             <a:r>
               <a:rPr lang="it-IT" sz="1400" dirty="0"/>
-              <a:t>, 0, 1}, </a:t>
-            </a:r>
-            <a:r>
-              <a:rPr lang="it-IT" sz="1400" dirty="0" err="1"/>
-              <a:t>initially</a:t>
-            </a:r>
-            <a:r>
-              <a:rPr lang="it-IT" sz="1400" dirty="0"/>
-              <a:t> </a:t>
+              <a:t>. Può essere: {</a:t>
             </a:r>
             <a:r>
               <a:rPr lang="it-IT" sz="1400" dirty="0" err="1"/>
               <a:t>unknown</a:t>
             </a:r>
-            <a:endParaRPr lang="it-IT" sz="1400" dirty="0"/>
+            <a:r>
+              <a:rPr lang="it-IT" sz="1400" dirty="0"/>
+              <a:t>, 0, 1}</a:t>
+            </a:r>
           </a:p>
           <a:p>
             <a:pPr marL="0" indent="0">
@@ -8440,7 +8806,7 @@
             </a:pPr>
             <a:r>
               <a:rPr lang="it-IT" sz="1400" dirty="0"/>
-              <a:t>key E [1, r] U </a:t>
+              <a:t>key = </a:t>
             </a:r>
             <a:r>
               <a:rPr lang="it-IT" sz="1400" dirty="0" err="1"/>
@@ -8448,21 +8814,16 @@
             </a:r>
             <a:r>
               <a:rPr lang="it-IT" sz="1400" dirty="0"/>
-              <a:t>, </a:t>
-            </a:r>
-            <a:r>
-              <a:rPr lang="it-IT" sz="1400" dirty="0" err="1"/>
-              <a:t>initially</a:t>
+              <a:t> se il processo </a:t>
+            </a:r>
+            <a:r>
+              <a:rPr lang="it-IT" sz="1400" i="1" dirty="0"/>
+              <a:t> i </a:t>
             </a:r>
             <a:r>
               <a:rPr lang="it-IT" sz="1400" dirty="0"/>
-              <a:t> </a:t>
-            </a:r>
-            <a:r>
-              <a:rPr lang="it-IT" sz="1400" dirty="0" err="1"/>
-              <a:t>undefined</a:t>
-            </a:r>
-            <a:endParaRPr lang="it-IT" sz="1400" dirty="0"/>
+              <a:t> non è il processo n°1, un valore random tra [1,r] altrimenti</a:t>
+            </a:r>
           </a:p>
           <a:p>
             <a:pPr marL="0" indent="0">
@@ -8472,16 +8833,36 @@
               <a:buNone/>
             </a:pPr>
             <a:r>
+              <a:rPr lang="it-IT" sz="1400" dirty="0" err="1"/>
+              <a:t>level</a:t>
+            </a:r>
+            <a:r>
               <a:rPr lang="it-IT" sz="1400" dirty="0"/>
-              <a:t>for </a:t>
+              <a:t>. Un vettore contenente il livello a cui si trova ogni processo. </a:t>
             </a:r>
             <a:r>
               <a:rPr lang="it-IT" sz="1400" dirty="0" err="1"/>
-              <a:t>every</a:t>
+              <a:t>Inizalmente</a:t>
             </a:r>
             <a:r>
               <a:rPr lang="it-IT" sz="1400" dirty="0"/>
-              <a:t> j, 1 &lt; j &lt;_ n:</a:t>
+              <a:t> </a:t>
+            </a:r>
+            <a:r>
+              <a:rPr lang="it-IT" sz="1400" dirty="0" err="1"/>
+              <a:t>level</a:t>
+            </a:r>
+            <a:r>
+              <a:rPr lang="it-IT" sz="1400" dirty="0"/>
+              <a:t>(</a:t>
+            </a:r>
+            <a:r>
+              <a:rPr lang="it-IT" sz="1400" i="1" dirty="0"/>
+              <a:t>i</a:t>
+            </a:r>
+            <a:r>
+              <a:rPr lang="it-IT" sz="1400" dirty="0"/>
+              <a:t>) = 0, tutti gli altri valori = -1</a:t>
             </a:r>
           </a:p>
           <a:p>
@@ -8492,133 +8873,50 @@
               <a:buNone/>
             </a:pPr>
             <a:r>
+              <a:rPr lang="it-IT" sz="1400" dirty="0" err="1"/>
+              <a:t>value</a:t>
+            </a:r>
+            <a:r>
               <a:rPr lang="it-IT" sz="1400" dirty="0"/>
-              <a:t>val(j) E {0, 1, </a:t>
+              <a:t>. Un vettore contenente i valori iniziali di ogni processo. </a:t>
+            </a:r>
+            <a:r>
+              <a:rPr lang="it-IT" sz="1400" dirty="0" err="1"/>
+              <a:t>Inizalmente</a:t>
+            </a:r>
+            <a:r>
+              <a:rPr lang="it-IT" sz="1400" dirty="0"/>
+              <a:t> </a:t>
+            </a:r>
+            <a:r>
+              <a:rPr lang="it-IT" sz="1400" dirty="0" err="1"/>
+              <a:t>value</a:t>
+            </a:r>
+            <a:r>
+              <a:rPr lang="it-IT" sz="1400" dirty="0"/>
+              <a:t>(</a:t>
+            </a:r>
+            <a:r>
+              <a:rPr lang="it-IT" sz="1400" i="1" dirty="0"/>
+              <a:t>i</a:t>
+            </a:r>
+            <a:r>
+              <a:rPr lang="it-IT" sz="1400" dirty="0"/>
+              <a:t>) = valore iniziale di </a:t>
+            </a:r>
+            <a:r>
+              <a:rPr lang="it-IT" sz="1400" i="1" dirty="0"/>
+              <a:t>i</a:t>
+            </a:r>
+            <a:r>
+              <a:rPr lang="it-IT" sz="1400" dirty="0"/>
+              <a:t>, tutti gli altri valori = </a:t>
             </a:r>
             <a:r>
               <a:rPr lang="it-IT" sz="1400" dirty="0" err="1"/>
               <a:t>undefined</a:t>
             </a:r>
-            <a:r>
-              <a:rPr lang="it-IT" sz="1400" dirty="0"/>
-              <a:t>}; </a:t>
-            </a:r>
-            <a:r>
-              <a:rPr lang="it-IT" sz="1400" dirty="0" err="1"/>
-              <a:t>initially</a:t>
-            </a:r>
-            <a:r>
-              <a:rPr lang="it-IT" sz="1400" dirty="0"/>
-              <a:t> val(i) </a:t>
-            </a:r>
-            <a:r>
-              <a:rPr lang="it-IT" sz="1400" dirty="0" err="1"/>
-              <a:t>is</a:t>
-            </a:r>
-            <a:r>
-              <a:rPr lang="it-IT" sz="1400" dirty="0"/>
-              <a:t> </a:t>
-            </a:r>
-            <a:r>
-              <a:rPr lang="it-IT" sz="1400" dirty="0" err="1"/>
-              <a:t>i's</a:t>
-            </a:r>
-            <a:r>
-              <a:rPr lang="it-IT" sz="1400" dirty="0"/>
-              <a:t> </a:t>
-            </a:r>
-            <a:r>
-              <a:rPr lang="it-IT" sz="1400" dirty="0" err="1"/>
-              <a:t>initial</a:t>
-            </a:r>
-            <a:r>
-              <a:rPr lang="it-IT" sz="1400" dirty="0"/>
-              <a:t> </a:t>
-            </a:r>
-            <a:r>
-              <a:rPr lang="it-IT" sz="1400" dirty="0" err="1"/>
-              <a:t>value</a:t>
-            </a:r>
-            <a:r>
-              <a:rPr lang="it-IT" sz="1400" dirty="0"/>
-              <a:t> and</a:t>
-            </a:r>
-          </a:p>
-          <a:p>
-            <a:pPr marL="0" indent="0">
-              <a:lnSpc>
-                <a:spcPct val="50000"/>
-              </a:lnSpc>
-              <a:buNone/>
-            </a:pPr>
-            <a:r>
-              <a:rPr lang="it-IT" sz="1400" dirty="0"/>
-              <a:t>val(j) - </a:t>
-            </a:r>
-            <a:r>
-              <a:rPr lang="it-IT" sz="1400" dirty="0" err="1"/>
-              <a:t>undefined</a:t>
-            </a:r>
-            <a:r>
-              <a:rPr lang="it-IT" sz="1400" dirty="0"/>
-              <a:t> for </a:t>
-            </a:r>
-            <a:r>
-              <a:rPr lang="it-IT" sz="1400" dirty="0" err="1"/>
-              <a:t>all</a:t>
-            </a:r>
-            <a:r>
-              <a:rPr lang="it-IT" sz="1400" dirty="0"/>
-              <a:t> j # i</a:t>
-            </a:r>
-          </a:p>
-          <a:p>
-            <a:pPr marL="0" indent="0">
-              <a:lnSpc>
-                <a:spcPct val="50000"/>
-              </a:lnSpc>
-              <a:buNone/>
-            </a:pPr>
-            <a:r>
-              <a:rPr lang="it-IT" sz="1400" dirty="0" err="1"/>
-              <a:t>level</a:t>
-            </a:r>
-            <a:r>
-              <a:rPr lang="it-IT" sz="1400" dirty="0"/>
-              <a:t>(j) E [-1, r]; </a:t>
-            </a:r>
-            <a:r>
-              <a:rPr lang="it-IT" sz="1400" dirty="0" err="1"/>
-              <a:t>initially</a:t>
-            </a:r>
-            <a:r>
-              <a:rPr lang="it-IT" sz="1400" dirty="0"/>
-              <a:t> </a:t>
-            </a:r>
-            <a:r>
-              <a:rPr lang="it-IT" sz="1400" dirty="0" err="1"/>
-              <a:t>level</a:t>
-            </a:r>
-            <a:r>
-              <a:rPr lang="it-IT" sz="1400" dirty="0"/>
-              <a:t>(i)= 0 and </a:t>
-            </a:r>
-            <a:r>
-              <a:rPr lang="it-IT" sz="1400" dirty="0" err="1"/>
-              <a:t>level</a:t>
-            </a:r>
-            <a:r>
-              <a:rPr lang="it-IT" sz="1400" dirty="0"/>
-              <a:t>(j)= -1 for </a:t>
-            </a:r>
-            <a:r>
-              <a:rPr lang="it-IT" sz="1400" dirty="0" err="1"/>
-              <a:t>all</a:t>
-            </a:r>
-            <a:r>
-              <a:rPr lang="it-IT" sz="1400" dirty="0"/>
-              <a:t> j # i </a:t>
-            </a:r>
+            <a:endParaRPr lang="it-IT" sz="1400" dirty="0"/>
           </a:p>
           <a:p>
             <a:pPr marL="0" indent="0">
@@ -8638,7 +8936,7 @@
             </a:pPr>
             <a:r>
               <a:rPr lang="it-IT" sz="1400" dirty="0" err="1"/>
-              <a:t>randi</a:t>
+              <a:t>msgsi</a:t>
             </a:r>
             <a:r>
               <a:rPr lang="it-IT" sz="1400" dirty="0"/>
@@ -8658,19 +8956,27 @@
             </a:r>
             <a:r>
               <a:rPr lang="it-IT" sz="1400" dirty="0" err="1"/>
-              <a:t>if</a:t>
+              <a:t>message</a:t>
             </a:r>
             <a:r>
               <a:rPr lang="it-IT" sz="1400" dirty="0"/>
-              <a:t> i = 1 and rounds = 0 </a:t>
+              <a:t> = (L, V ,K) inviato a tutti i nodi, dove L è il vettore </a:t>
             </a:r>
             <a:r>
               <a:rPr lang="it-IT" sz="1400" dirty="0" err="1"/>
-              <a:t>then</a:t>
+              <a:t>level</a:t>
             </a:r>
             <a:r>
               <a:rPr lang="it-IT" sz="1400" dirty="0"/>
-              <a:t> key = random [tra 1 ed r]</a:t>
+              <a:t> e V il vettore </a:t>
+            </a:r>
+            <a:r>
+              <a:rPr lang="it-IT" sz="1400" dirty="0" err="1"/>
+              <a:t>value</a:t>
+            </a:r>
+            <a:r>
+              <a:rPr lang="it-IT" sz="1400" dirty="0"/>
+              <a:t>, K è la key</a:t>
             </a:r>
           </a:p>
           <a:p>
@@ -8681,95 +8987,6 @@
               <a:buNone/>
             </a:pPr>
             <a:r>
-              <a:rPr lang="it-IT" sz="1400" dirty="0" err="1"/>
-              <a:t>msgsi</a:t>
-            </a:r>
-            <a:r>
-              <a:rPr lang="it-IT" sz="1400" dirty="0"/>
-              <a:t>:</a:t>
-            </a:r>
-          </a:p>
-          <a:p>
-            <a:pPr marL="0" indent="0">
-              <a:lnSpc>
-                <a:spcPct val="50000"/>
-              </a:lnSpc>
-              <a:buNone/>
-            </a:pPr>
-            <a:r>
-              <a:rPr lang="it-IT" sz="1400" dirty="0"/>
-              <a:t>	</a:t>
-            </a:r>
-            <a:r>
-              <a:rPr lang="it-IT" sz="1400" dirty="0" err="1"/>
-              <a:t>send</a:t>
-            </a:r>
-            <a:r>
-              <a:rPr lang="it-IT" sz="1400" dirty="0"/>
-              <a:t> (L, V, key) to </a:t>
-            </a:r>
-            <a:r>
-              <a:rPr lang="it-IT" sz="1400" dirty="0" err="1"/>
-              <a:t>all</a:t>
-            </a:r>
-            <a:r>
-              <a:rPr lang="it-IT" sz="1400" dirty="0"/>
-              <a:t> j, </a:t>
-            </a:r>
-            <a:r>
-              <a:rPr lang="it-IT" sz="1400" dirty="0" err="1"/>
-              <a:t>where</a:t>
-            </a:r>
-            <a:r>
-              <a:rPr lang="it-IT" sz="1400" dirty="0"/>
-              <a:t> L </a:t>
-            </a:r>
-            <a:r>
-              <a:rPr lang="it-IT" sz="1400" dirty="0" err="1"/>
-              <a:t>is</a:t>
-            </a:r>
-            <a:r>
-              <a:rPr lang="it-IT" sz="1400" dirty="0"/>
-              <a:t> the </a:t>
-            </a:r>
-            <a:r>
-              <a:rPr lang="it-IT" sz="1400" dirty="0" err="1"/>
-              <a:t>level</a:t>
-            </a:r>
-            <a:r>
-              <a:rPr lang="it-IT" sz="1400" dirty="0"/>
-              <a:t> </a:t>
-            </a:r>
-            <a:r>
-              <a:rPr lang="it-IT" sz="1400" dirty="0" err="1"/>
-              <a:t>vector</a:t>
-            </a:r>
-            <a:r>
-              <a:rPr lang="it-IT" sz="1400" dirty="0"/>
-              <a:t> and V </a:t>
-            </a:r>
-            <a:r>
-              <a:rPr lang="it-IT" sz="1400" dirty="0" err="1"/>
-              <a:t>is</a:t>
-            </a:r>
-            <a:r>
-              <a:rPr lang="it-IT" sz="1400" dirty="0"/>
-              <a:t> the val </a:t>
-            </a:r>
-            <a:r>
-              <a:rPr lang="it-IT" sz="1400" dirty="0" err="1"/>
-              <a:t>vector</a:t>
-            </a:r>
-            <a:endParaRPr lang="it-IT" sz="1400" dirty="0"/>
-          </a:p>
-          <a:p>
-            <a:pPr marL="0" indent="0">
-              <a:lnSpc>
-                <a:spcPct val="50000"/>
-              </a:lnSpc>
-              <a:buNone/>
-            </a:pPr>
-            <a:r>
               <a:rPr lang="it-IT" sz="1400" dirty="0"/>
               <a:t>transi:</a:t>
             </a:r>
@@ -8795,57 +9012,20 @@
             </a:pPr>
             <a:r>
               <a:rPr lang="it-IT" sz="1000" dirty="0" err="1"/>
-              <a:t>let</a:t>
+              <a:t>If</a:t>
             </a:r>
             <a:r>
               <a:rPr lang="it-IT" sz="1000" dirty="0"/>
-              <a:t> (</a:t>
+              <a:t> K != </a:t>
             </a:r>
             <a:r>
               <a:rPr lang="it-IT" sz="1000" dirty="0" err="1"/>
-              <a:t>Lj</a:t>
+              <a:t>undefined</a:t>
             </a:r>
             <a:r>
               <a:rPr lang="it-IT" sz="1000" dirty="0"/>
-              <a:t>, Vj , </a:t>
-            </a:r>
-            <a:r>
-              <a:rPr lang="it-IT" sz="1000" dirty="0" err="1"/>
-              <a:t>Kj</a:t>
-            </a:r>
-            <a:r>
-              <a:rPr lang="it-IT" sz="1000" dirty="0"/>
-              <a:t> ) be the </a:t>
-            </a:r>
-            <a:r>
-              <a:rPr lang="it-IT" sz="1000" dirty="0" err="1"/>
-              <a:t>message</a:t>
-            </a:r>
-            <a:r>
-              <a:rPr lang="it-IT" sz="1000" dirty="0"/>
-              <a:t> from j, for each j from </a:t>
-            </a:r>
-            <a:r>
-              <a:rPr lang="it-IT" sz="1000" dirty="0" err="1"/>
-              <a:t>which</a:t>
-            </a:r>
-            <a:r>
-              <a:rPr lang="it-IT" sz="1000" dirty="0"/>
-              <a:t> a </a:t>
-            </a:r>
-            <a:r>
-              <a:rPr lang="it-IT" sz="1000" dirty="0" err="1"/>
-              <a:t>message</a:t>
-            </a:r>
-            <a:r>
-              <a:rPr lang="it-IT" sz="1000" dirty="0"/>
-              <a:t> </a:t>
-            </a:r>
-            <a:r>
-              <a:rPr lang="it-IT" sz="1000" dirty="0" err="1"/>
-              <a:t>arrives</a:t>
-            </a:r>
-            <a:endParaRPr lang="it-IT" sz="1000" dirty="0"/>
+              <a:t> key=K #se la chiave te l’ha detta qualcuno che la sa te la salvi</a:t>
+            </a:r>
           </a:p>
           <a:p>
             <a:pPr marL="457200" lvl="1" indent="0">
@@ -8856,23 +9036,7 @@
             </a:pPr>
             <a:r>
               <a:rPr lang="it-IT" sz="1000" dirty="0" err="1"/>
-              <a:t>if</a:t>
-            </a:r>
-            <a:r>
-              <a:rPr lang="it-IT" sz="1000" dirty="0"/>
-              <a:t>, for some j, </a:t>
-            </a:r>
-            <a:r>
-              <a:rPr lang="it-IT" sz="1000" dirty="0" err="1"/>
-              <a:t>Kj</a:t>
-            </a:r>
-            <a:r>
-              <a:rPr lang="it-IT" sz="1000" dirty="0"/>
-              <a:t> != </a:t>
-            </a:r>
-            <a:r>
-              <a:rPr lang="it-IT" sz="1000" dirty="0" err="1"/>
-              <a:t>undefined</a:t>
+              <a:t>Foreach</a:t>
             </a:r>
             <a:r>
               <a:rPr lang="it-IT" sz="1000" dirty="0"/>
@@ -8880,19 +9044,11 @@
             </a:r>
             <a:r>
               <a:rPr lang="it-IT" sz="1000" dirty="0" err="1"/>
-              <a:t>then</a:t>
+              <a:t>message</a:t>
             </a:r>
             <a:r>
               <a:rPr lang="it-IT" sz="1000" dirty="0"/>
-              <a:t> key = </a:t>
-            </a:r>
-            <a:r>
-              <a:rPr lang="it-IT" sz="1000" dirty="0" err="1"/>
-              <a:t>Kj</a:t>
-            </a:r>
-            <a:r>
-              <a:rPr lang="it-IT" sz="1000" dirty="0"/>
-              <a:t> #se la chiave te l’ha detta qualcuno che la sa te la salvi</a:t>
+              <a:t> do</a:t>
             </a:r>
           </a:p>
           <a:p>
@@ -8904,15 +9060,7 @@
             </a:pPr>
             <a:r>
               <a:rPr lang="it-IT" sz="1000" dirty="0"/>
-              <a:t>for </a:t>
-            </a:r>
-            <a:r>
-              <a:rPr lang="it-IT" sz="1000" dirty="0" err="1"/>
-              <a:t>all</a:t>
-            </a:r>
-            <a:r>
-              <a:rPr lang="it-IT" sz="1000" dirty="0"/>
-              <a:t> j != i do</a:t>
+              <a:t>	for j != i</a:t>
             </a:r>
           </a:p>
           <a:p>
@@ -8923,12 +9071,16 @@
               <a:buNone/>
             </a:pPr>
             <a:r>
+              <a:rPr lang="it-IT" sz="1000" dirty="0"/>
+              <a:t>	        </a:t>
+            </a:r>
+            <a:r>
               <a:rPr lang="it-IT" sz="1000" dirty="0" err="1"/>
-              <a:t>if</a:t>
+              <a:t>value</a:t>
             </a:r>
             <a:r>
               <a:rPr lang="it-IT" sz="1000" dirty="0"/>
-              <a:t>, for some i’, Vi,(j) != </a:t>
+              <a:t>(j) == </a:t>
             </a:r>
             <a:r>
               <a:rPr lang="it-IT" sz="1000" dirty="0" err="1"/>
@@ -8944,7 +9096,7 @@
             </a:r>
             <a:r>
               <a:rPr lang="it-IT" sz="1000" dirty="0"/>
-              <a:t> val(j) := Vi,(j)</a:t>
+              <a:t> val( j ) := V( j )</a:t>
             </a:r>
           </a:p>
           <a:p>
@@ -8956,7 +9108,7 @@
             </a:pPr>
             <a:r>
               <a:rPr lang="it-IT" sz="1000" dirty="0"/>
-              <a:t>		</a:t>
+              <a:t>	        </a:t>
             </a:r>
             <a:r>
               <a:rPr lang="it-IT" sz="1000" dirty="0" err="1"/>
@@ -8964,7 +9116,7 @@
             </a:r>
             <a:r>
               <a:rPr lang="it-IT" sz="1000" dirty="0"/>
-              <a:t>, for some i’, Li( j ) &gt; </a:t>
+              <a:t> L( j ) &gt; </a:t>
             </a:r>
             <a:r>
               <a:rPr lang="it-IT" sz="1000" dirty="0" err="1"/>
@@ -8972,7 +9124,7 @@
             </a:r>
             <a:r>
               <a:rPr lang="it-IT" sz="1000" dirty="0"/>
-              <a:t>(j) </a:t>
+              <a:t>( j ) </a:t>
             </a:r>
             <a:r>
               <a:rPr lang="it-IT" sz="1000" dirty="0" err="1"/>
@@ -8988,7 +9140,7 @@
             </a:r>
             <a:r>
               <a:rPr lang="it-IT" sz="1000" dirty="0"/>
-              <a:t>(j):= max, {Li,(j)}</a:t>
+              <a:t>( j ):= L( j )</a:t>
             </a:r>
           </a:p>
           <a:p>
@@ -9044,6 +9196,10 @@
               <a:buNone/>
             </a:pPr>
             <a:r>
+              <a:rPr lang="it-IT" sz="1000" dirty="0"/>
+              <a:t>	</a:t>
+            </a:r>
+            <a:r>
               <a:rPr lang="it-IT" sz="1000" dirty="0" err="1"/>
               <a:t>if</a:t>
             </a:r>
@@ -9089,6 +9245,10 @@
               <a:buNone/>
             </a:pPr>
             <a:r>
+              <a:rPr lang="it-IT" sz="1000" dirty="0"/>
+              <a:t>		</a:t>
+            </a:r>
+            <a:r>
               <a:rPr lang="it-IT" sz="1000" dirty="0" err="1"/>
               <a:t>decision</a:t>
             </a:r>
@@ -9106,7 +9266,7 @@
             </a:pPr>
             <a:r>
               <a:rPr lang="it-IT" sz="1000" dirty="0"/>
-              <a:t>else </a:t>
+              <a:t>	else </a:t>
             </a:r>
             <a:r>
               <a:rPr lang="it-IT" sz="1000" dirty="0" err="1"/>
@@ -9409,7 +9569,694 @@
           <a:bodyPr/>
           <a:lstStyle/>
           <a:p>
+            <a:pPr marL="0" indent="0">
+              <a:buNone/>
+            </a:pPr>
+            <a:r>
+              <a:rPr lang="it-IT" dirty="0"/>
+              <a:t>Li = </a:t>
+            </a:r>
+            <a:r>
+              <a:rPr lang="it-IT" dirty="0" err="1"/>
+              <a:t>level</a:t>
+            </a:r>
+            <a:r>
+              <a:rPr lang="it-IT" dirty="0"/>
+              <a:t>(</a:t>
+            </a:r>
+            <a:r>
+              <a:rPr lang="it-IT" i="1" dirty="0"/>
+              <a:t>i) </a:t>
+            </a:r>
+            <a:r>
+              <a:rPr lang="it-IT" dirty="0"/>
+              <a:t>al round </a:t>
+            </a:r>
+            <a:r>
+              <a:rPr lang="it-IT" i="1" dirty="0"/>
+              <a:t>r, </a:t>
+            </a:r>
+            <a:r>
+              <a:rPr lang="it-IT" dirty="0"/>
+              <a:t>quando </a:t>
+            </a:r>
+            <a:r>
+              <a:rPr lang="it-IT" i="1" dirty="0"/>
+              <a:t>i </a:t>
+            </a:r>
+            <a:r>
+              <a:rPr lang="it-IT" dirty="0"/>
+              <a:t>deve prendere una decisione</a:t>
+            </a:r>
+          </a:p>
+          <a:p>
+            <a:pPr marL="0" indent="0">
+              <a:buNone/>
+            </a:pPr>
             <a:endParaRPr lang="it-IT" dirty="0"/>
+          </a:p>
+          <a:p>
+            <a:pPr marL="0" indent="0">
+              <a:buNone/>
+            </a:pPr>
+            <a:r>
+              <a:rPr lang="it-IT" sz="1800" dirty="0">
+                <a:solidFill>
+                  <a:srgbClr val="000000"/>
+                </a:solidFill>
+                <a:effectLst/>
+                <a:latin typeface="Arial" panose="020B0604020202020204" pitchFamily="34" charset="0"/>
+                <a:ea typeface="Times New Roman" panose="02020603050405020304" pitchFamily="18" charset="0"/>
+              </a:rPr>
+              <a:t>Se key ≤ min{ </a:t>
+            </a:r>
+            <a:r>
+              <a:rPr lang="it-IT" sz="1800" i="1" dirty="0">
+                <a:solidFill>
+                  <a:srgbClr val="000000"/>
+                </a:solidFill>
+                <a:effectLst/>
+                <a:latin typeface="Arial" panose="020B0604020202020204" pitchFamily="34" charset="0"/>
+                <a:ea typeface="Times New Roman" panose="02020603050405020304" pitchFamily="18" charset="0"/>
+              </a:rPr>
+              <a:t>l</a:t>
+            </a:r>
+            <a:r>
+              <a:rPr lang="it-IT" sz="1800" i="1" baseline="-25000" dirty="0">
+                <a:solidFill>
+                  <a:srgbClr val="000000"/>
+                </a:solidFill>
+                <a:effectLst/>
+                <a:latin typeface="Arial" panose="020B0604020202020204" pitchFamily="34" charset="0"/>
+                <a:ea typeface="Times New Roman" panose="02020603050405020304" pitchFamily="18" charset="0"/>
+              </a:rPr>
+              <a:t>i</a:t>
+            </a:r>
+            <a:r>
+              <a:rPr lang="it-IT" sz="1800" i="1" dirty="0">
+                <a:solidFill>
+                  <a:srgbClr val="000000"/>
+                </a:solidFill>
+                <a:effectLst/>
+                <a:latin typeface="Arial" panose="020B0604020202020204" pitchFamily="34" charset="0"/>
+                <a:ea typeface="Times New Roman" panose="02020603050405020304" pitchFamily="18" charset="0"/>
+              </a:rPr>
+              <a:t> </a:t>
+            </a:r>
+            <a:r>
+              <a:rPr lang="it-IT" sz="1800" dirty="0">
+                <a:solidFill>
+                  <a:srgbClr val="000000"/>
+                </a:solidFill>
+                <a:effectLst/>
+                <a:latin typeface="Arial" panose="020B0604020202020204" pitchFamily="34" charset="0"/>
+                <a:ea typeface="Times New Roman" panose="02020603050405020304" pitchFamily="18" charset="0"/>
+              </a:rPr>
+              <a:t>} tutti sono d’accordo </a:t>
+            </a:r>
+            <a:r>
+              <a:rPr lang="it-IT" sz="1800" dirty="0" err="1">
+                <a:solidFill>
+                  <a:srgbClr val="000000"/>
+                </a:solidFill>
+                <a:effectLst/>
+                <a:latin typeface="Arial" panose="020B0604020202020204" pitchFamily="34" charset="0"/>
+                <a:ea typeface="Times New Roman" panose="02020603050405020304" pitchFamily="18" charset="0"/>
+              </a:rPr>
+              <a:t>perchè</a:t>
+            </a:r>
+            <a:r>
+              <a:rPr lang="it-IT" sz="1800" dirty="0">
+                <a:solidFill>
+                  <a:srgbClr val="000000"/>
+                </a:solidFill>
+                <a:effectLst/>
+                <a:latin typeface="Arial" panose="020B0604020202020204" pitchFamily="34" charset="0"/>
+                <a:ea typeface="Times New Roman" panose="02020603050405020304" pitchFamily="18" charset="0"/>
+              </a:rPr>
+              <a:t> tutti hanno superato </a:t>
+            </a:r>
+            <a:r>
+              <a:rPr lang="it-IT" sz="1800" i="1" dirty="0">
+                <a:solidFill>
+                  <a:srgbClr val="000000"/>
+                </a:solidFill>
+                <a:effectLst/>
+                <a:latin typeface="Arial" panose="020B0604020202020204" pitchFamily="34" charset="0"/>
+                <a:ea typeface="Times New Roman" panose="02020603050405020304" pitchFamily="18" charset="0"/>
+              </a:rPr>
+              <a:t>key</a:t>
+            </a:r>
+          </a:p>
+          <a:p>
+            <a:pPr marL="0" indent="0">
+              <a:buNone/>
+            </a:pPr>
+            <a:r>
+              <a:rPr lang="it-IT" sz="1800" dirty="0">
+                <a:solidFill>
+                  <a:srgbClr val="000000"/>
+                </a:solidFill>
+                <a:effectLst/>
+                <a:latin typeface="Arial" panose="020B0604020202020204" pitchFamily="34" charset="0"/>
+                <a:ea typeface="Times New Roman" panose="02020603050405020304" pitchFamily="18" charset="0"/>
+                <a:cs typeface="Times New Roman" panose="02020603050405020304" pitchFamily="18" charset="0"/>
+              </a:rPr>
+              <a:t>Se invece </a:t>
+            </a:r>
+            <a:r>
+              <a:rPr lang="it-IT" sz="1800" i="1" dirty="0">
+                <a:solidFill>
+                  <a:srgbClr val="000000"/>
+                </a:solidFill>
+                <a:effectLst/>
+                <a:latin typeface="Arial" panose="020B0604020202020204" pitchFamily="34" charset="0"/>
+                <a:ea typeface="Times New Roman" panose="02020603050405020304" pitchFamily="18" charset="0"/>
+                <a:cs typeface="Times New Roman" panose="02020603050405020304" pitchFamily="18" charset="0"/>
+              </a:rPr>
+              <a:t>key &gt; max{ l</a:t>
+            </a:r>
+            <a:r>
+              <a:rPr lang="it-IT" sz="1800" i="1" baseline="-25000" dirty="0">
+                <a:solidFill>
+                  <a:srgbClr val="000000"/>
+                </a:solidFill>
+                <a:effectLst/>
+                <a:latin typeface="Arial" panose="020B0604020202020204" pitchFamily="34" charset="0"/>
+                <a:ea typeface="Times New Roman" panose="02020603050405020304" pitchFamily="18" charset="0"/>
+                <a:cs typeface="Times New Roman" panose="02020603050405020304" pitchFamily="18" charset="0"/>
+              </a:rPr>
+              <a:t>i</a:t>
+            </a:r>
+            <a:r>
+              <a:rPr lang="it-IT" sz="1800" i="1" dirty="0">
+                <a:solidFill>
+                  <a:srgbClr val="000000"/>
+                </a:solidFill>
+                <a:effectLst/>
+                <a:latin typeface="Arial" panose="020B0604020202020204" pitchFamily="34" charset="0"/>
+                <a:ea typeface="Times New Roman" panose="02020603050405020304" pitchFamily="18" charset="0"/>
+                <a:cs typeface="Times New Roman" panose="02020603050405020304" pitchFamily="18" charset="0"/>
+              </a:rPr>
+              <a:t> } </a:t>
+            </a:r>
+            <a:r>
+              <a:rPr lang="it-IT" sz="1800" dirty="0">
+                <a:solidFill>
+                  <a:srgbClr val="000000"/>
+                </a:solidFill>
+                <a:effectLst/>
+                <a:latin typeface="Arial" panose="020B0604020202020204" pitchFamily="34" charset="0"/>
+                <a:ea typeface="Times New Roman" panose="02020603050405020304" pitchFamily="18" charset="0"/>
+                <a:cs typeface="Times New Roman" panose="02020603050405020304" pitchFamily="18" charset="0"/>
+              </a:rPr>
+              <a:t>si decide 0 </a:t>
+            </a:r>
+            <a:r>
+              <a:rPr lang="it-IT" sz="1800" dirty="0" err="1">
+                <a:solidFill>
+                  <a:srgbClr val="000000"/>
+                </a:solidFill>
+                <a:effectLst/>
+                <a:latin typeface="Arial" panose="020B0604020202020204" pitchFamily="34" charset="0"/>
+                <a:ea typeface="Times New Roman" panose="02020603050405020304" pitchFamily="18" charset="0"/>
+                <a:cs typeface="Times New Roman" panose="02020603050405020304" pitchFamily="18" charset="0"/>
+              </a:rPr>
+              <a:t>perchè</a:t>
+            </a:r>
+            <a:r>
+              <a:rPr lang="it-IT" sz="1800" dirty="0">
+                <a:solidFill>
+                  <a:srgbClr val="000000"/>
+                </a:solidFill>
+                <a:effectLst/>
+                <a:latin typeface="Arial" panose="020B0604020202020204" pitchFamily="34" charset="0"/>
+                <a:ea typeface="Times New Roman" panose="02020603050405020304" pitchFamily="18" charset="0"/>
+                <a:cs typeface="Times New Roman" panose="02020603050405020304" pitchFamily="18" charset="0"/>
+              </a:rPr>
+              <a:t> non si è raggiunto il livello necessario.</a:t>
+            </a:r>
+            <a:endParaRPr lang="it-IT" sz="1800" dirty="0">
+              <a:effectLst/>
+              <a:latin typeface="Calibri" panose="020F0502020204030204" pitchFamily="34" charset="0"/>
+              <a:ea typeface="Calibri" panose="020F0502020204030204" pitchFamily="34" charset="0"/>
+              <a:cs typeface="Times New Roman" panose="02020603050405020304" pitchFamily="18" charset="0"/>
+            </a:endParaRPr>
+          </a:p>
+          <a:p>
+            <a:pPr marL="0" indent="0">
+              <a:buNone/>
+            </a:pPr>
+            <a:r>
+              <a:rPr lang="it-IT" sz="1800" dirty="0">
+                <a:solidFill>
+                  <a:srgbClr val="000000"/>
+                </a:solidFill>
+                <a:effectLst/>
+                <a:latin typeface="Arial" panose="020B0604020202020204" pitchFamily="34" charset="0"/>
+                <a:ea typeface="Times New Roman" panose="02020603050405020304" pitchFamily="18" charset="0"/>
+                <a:cs typeface="Times New Roman" panose="02020603050405020304" pitchFamily="18" charset="0"/>
+              </a:rPr>
+              <a:t>L’unica situazione in cui i processi possono essere in disaccordo è quando min{ </a:t>
+            </a:r>
+            <a:r>
+              <a:rPr lang="it-IT" sz="1800" i="1" dirty="0">
+                <a:solidFill>
+                  <a:srgbClr val="000000"/>
+                </a:solidFill>
+                <a:effectLst/>
+                <a:latin typeface="Arial" panose="020B0604020202020204" pitchFamily="34" charset="0"/>
+                <a:ea typeface="Times New Roman" panose="02020603050405020304" pitchFamily="18" charset="0"/>
+                <a:cs typeface="Times New Roman" panose="02020603050405020304" pitchFamily="18" charset="0"/>
+              </a:rPr>
+              <a:t>l</a:t>
+            </a:r>
+            <a:r>
+              <a:rPr lang="it-IT" sz="1800" i="1" baseline="-25000" dirty="0">
+                <a:solidFill>
+                  <a:srgbClr val="000000"/>
+                </a:solidFill>
+                <a:effectLst/>
+                <a:latin typeface="Arial" panose="020B0604020202020204" pitchFamily="34" charset="0"/>
+                <a:ea typeface="Times New Roman" panose="02020603050405020304" pitchFamily="18" charset="0"/>
+                <a:cs typeface="Times New Roman" panose="02020603050405020304" pitchFamily="18" charset="0"/>
+              </a:rPr>
+              <a:t>i</a:t>
+            </a:r>
+            <a:r>
+              <a:rPr lang="it-IT" sz="1800" i="1" dirty="0">
+                <a:solidFill>
+                  <a:srgbClr val="000000"/>
+                </a:solidFill>
+                <a:effectLst/>
+                <a:latin typeface="Arial" panose="020B0604020202020204" pitchFamily="34" charset="0"/>
+                <a:ea typeface="Times New Roman" panose="02020603050405020304" pitchFamily="18" charset="0"/>
+                <a:cs typeface="Times New Roman" panose="02020603050405020304" pitchFamily="18" charset="0"/>
+              </a:rPr>
+              <a:t> } </a:t>
+            </a:r>
+            <a:r>
+              <a:rPr lang="it-IT" sz="1800" dirty="0">
+                <a:solidFill>
+                  <a:srgbClr val="000000"/>
+                </a:solidFill>
+                <a:effectLst/>
+                <a:latin typeface="Arial" panose="020B0604020202020204" pitchFamily="34" charset="0"/>
+                <a:ea typeface="Times New Roman" panose="02020603050405020304" pitchFamily="18" charset="0"/>
+                <a:cs typeface="Times New Roman" panose="02020603050405020304" pitchFamily="18" charset="0"/>
+              </a:rPr>
+              <a:t>&lt; </a:t>
+            </a:r>
+            <a:r>
+              <a:rPr lang="it-IT" sz="1800" i="1" dirty="0">
+                <a:solidFill>
+                  <a:srgbClr val="000000"/>
+                </a:solidFill>
+                <a:effectLst/>
+                <a:latin typeface="Arial" panose="020B0604020202020204" pitchFamily="34" charset="0"/>
+                <a:ea typeface="Times New Roman" panose="02020603050405020304" pitchFamily="18" charset="0"/>
+                <a:cs typeface="Times New Roman" panose="02020603050405020304" pitchFamily="18" charset="0"/>
+              </a:rPr>
+              <a:t>key ≤ max{ l</a:t>
+            </a:r>
+            <a:r>
+              <a:rPr lang="it-IT" sz="1800" i="1" baseline="-25000" dirty="0">
+                <a:solidFill>
+                  <a:srgbClr val="000000"/>
+                </a:solidFill>
+                <a:effectLst/>
+                <a:latin typeface="Arial" panose="020B0604020202020204" pitchFamily="34" charset="0"/>
+                <a:ea typeface="Times New Roman" panose="02020603050405020304" pitchFamily="18" charset="0"/>
+                <a:cs typeface="Times New Roman" panose="02020603050405020304" pitchFamily="18" charset="0"/>
+              </a:rPr>
+              <a:t>i</a:t>
+            </a:r>
+            <a:r>
+              <a:rPr lang="it-IT" sz="1800" i="1" dirty="0">
+                <a:solidFill>
+                  <a:srgbClr val="000000"/>
+                </a:solidFill>
+                <a:effectLst/>
+                <a:latin typeface="Arial" panose="020B0604020202020204" pitchFamily="34" charset="0"/>
+                <a:ea typeface="Times New Roman" panose="02020603050405020304" pitchFamily="18" charset="0"/>
+                <a:cs typeface="Times New Roman" panose="02020603050405020304" pitchFamily="18" charset="0"/>
+              </a:rPr>
+              <a:t> } </a:t>
+            </a:r>
+            <a:r>
+              <a:rPr lang="it-IT" sz="1800" dirty="0">
+                <a:solidFill>
+                  <a:srgbClr val="000000"/>
+                </a:solidFill>
+                <a:effectLst/>
+                <a:latin typeface="Arial" panose="020B0604020202020204" pitchFamily="34" charset="0"/>
+                <a:ea typeface="Times New Roman" panose="02020603050405020304" pitchFamily="18" charset="0"/>
+                <a:cs typeface="Times New Roman" panose="02020603050405020304" pitchFamily="18" charset="0"/>
+              </a:rPr>
+              <a:t>cioè quando il valore di </a:t>
+            </a:r>
+            <a:r>
+              <a:rPr lang="it-IT" sz="1800" i="1" dirty="0" err="1">
+                <a:solidFill>
+                  <a:srgbClr val="000000"/>
+                </a:solidFill>
+                <a:effectLst/>
+                <a:latin typeface="Arial" panose="020B0604020202020204" pitchFamily="34" charset="0"/>
+                <a:ea typeface="Times New Roman" panose="02020603050405020304" pitchFamily="18" charset="0"/>
+                <a:cs typeface="Times New Roman" panose="02020603050405020304" pitchFamily="18" charset="0"/>
+              </a:rPr>
+              <a:t>level</a:t>
+            </a:r>
+            <a:r>
+              <a:rPr lang="it-IT" sz="1800" i="1" dirty="0">
+                <a:solidFill>
+                  <a:srgbClr val="000000"/>
+                </a:solidFill>
+                <a:effectLst/>
+                <a:latin typeface="Arial" panose="020B0604020202020204" pitchFamily="34" charset="0"/>
+                <a:ea typeface="Times New Roman" panose="02020603050405020304" pitchFamily="18" charset="0"/>
+                <a:cs typeface="Times New Roman" panose="02020603050405020304" pitchFamily="18" charset="0"/>
+              </a:rPr>
+              <a:t>(i) </a:t>
+            </a:r>
+            <a:r>
+              <a:rPr lang="it-IT" sz="1800" dirty="0">
+                <a:solidFill>
+                  <a:srgbClr val="000000"/>
+                </a:solidFill>
+                <a:effectLst/>
+                <a:latin typeface="Arial" panose="020B0604020202020204" pitchFamily="34" charset="0"/>
+                <a:ea typeface="Times New Roman" panose="02020603050405020304" pitchFamily="18" charset="0"/>
+                <a:cs typeface="Times New Roman" panose="02020603050405020304" pitchFamily="18" charset="0"/>
+              </a:rPr>
+              <a:t>non è lo stesso per tutti i processi e </a:t>
+            </a:r>
+            <a:r>
+              <a:rPr lang="it-IT" sz="1800" i="1" dirty="0">
+                <a:solidFill>
+                  <a:srgbClr val="000000"/>
+                </a:solidFill>
+                <a:effectLst/>
+                <a:latin typeface="Arial" panose="020B0604020202020204" pitchFamily="34" charset="0"/>
+                <a:ea typeface="Times New Roman" panose="02020603050405020304" pitchFamily="18" charset="0"/>
+                <a:cs typeface="Times New Roman" panose="02020603050405020304" pitchFamily="18" charset="0"/>
+              </a:rPr>
+              <a:t>key </a:t>
+            </a:r>
+            <a:r>
+              <a:rPr lang="it-IT" sz="1800" dirty="0">
+                <a:solidFill>
+                  <a:srgbClr val="000000"/>
+                </a:solidFill>
+                <a:effectLst/>
+                <a:latin typeface="Arial" panose="020B0604020202020204" pitchFamily="34" charset="0"/>
+                <a:ea typeface="Times New Roman" panose="02020603050405020304" pitchFamily="18" charset="0"/>
+                <a:cs typeface="Times New Roman" panose="02020603050405020304" pitchFamily="18" charset="0"/>
+              </a:rPr>
+              <a:t>è più grande del valore più piccolo.</a:t>
+            </a:r>
+          </a:p>
+          <a:p>
+            <a:pPr marL="0" indent="0">
+              <a:buNone/>
+            </a:pPr>
+            <a:r>
+              <a:rPr lang="it-IT" sz="1800" dirty="0">
+                <a:solidFill>
+                  <a:srgbClr val="000000"/>
+                </a:solidFill>
+                <a:latin typeface="Arial" panose="020B0604020202020204" pitchFamily="34" charset="0"/>
+                <a:ea typeface="Calibri" panose="020F0502020204030204" pitchFamily="34" charset="0"/>
+                <a:cs typeface="Times New Roman" panose="02020603050405020304" pitchFamily="18" charset="0"/>
+              </a:rPr>
+              <a:t>Ma i diversi </a:t>
+            </a:r>
+            <a:r>
+              <a:rPr lang="it-IT" sz="1800" i="1" dirty="0">
+                <a:solidFill>
+                  <a:srgbClr val="000000"/>
+                </a:solidFill>
+                <a:effectLst/>
+                <a:latin typeface="Arial" panose="020B0604020202020204" pitchFamily="34" charset="0"/>
+                <a:ea typeface="Times New Roman" panose="02020603050405020304" pitchFamily="18" charset="0"/>
+                <a:cs typeface="Times New Roman" panose="02020603050405020304" pitchFamily="18" charset="0"/>
+              </a:rPr>
+              <a:t>l</a:t>
+            </a:r>
+            <a:r>
+              <a:rPr lang="it-IT" sz="1800" i="1" baseline="-25000" dirty="0">
+                <a:solidFill>
+                  <a:srgbClr val="000000"/>
+                </a:solidFill>
+                <a:effectLst/>
+                <a:latin typeface="Arial" panose="020B0604020202020204" pitchFamily="34" charset="0"/>
+                <a:ea typeface="Times New Roman" panose="02020603050405020304" pitchFamily="18" charset="0"/>
+                <a:cs typeface="Times New Roman" panose="02020603050405020304" pitchFamily="18" charset="0"/>
+              </a:rPr>
+              <a:t>i </a:t>
+            </a:r>
+            <a:r>
+              <a:rPr lang="it-IT" sz="1800" dirty="0">
+                <a:solidFill>
+                  <a:srgbClr val="000000"/>
+                </a:solidFill>
+                <a:latin typeface="Arial" panose="020B0604020202020204" pitchFamily="34" charset="0"/>
+                <a:cs typeface="Times New Roman" panose="02020603050405020304" pitchFamily="18" charset="0"/>
+              </a:rPr>
+              <a:t>(uno per ogni nodo) si possono distaccare al massimo di 1 per quanto detto nel Lemma 5.2 quindi:</a:t>
+            </a:r>
+          </a:p>
+          <a:p>
+            <a:pPr marL="0" indent="0">
+              <a:buNone/>
+            </a:pPr>
+            <a:r>
+              <a:rPr lang="it-IT" sz="1800" dirty="0">
+                <a:solidFill>
+                  <a:srgbClr val="000000"/>
+                </a:solidFill>
+                <a:effectLst/>
+                <a:latin typeface="Arial" panose="020B0604020202020204" pitchFamily="34" charset="0"/>
+                <a:ea typeface="Times New Roman" panose="02020603050405020304" pitchFamily="18" charset="0"/>
+              </a:rPr>
+              <a:t>Dire min{ </a:t>
+            </a:r>
+            <a:r>
+              <a:rPr lang="it-IT" sz="1800" i="1" dirty="0">
+                <a:solidFill>
+                  <a:srgbClr val="000000"/>
+                </a:solidFill>
+                <a:effectLst/>
+                <a:latin typeface="Arial" panose="020B0604020202020204" pitchFamily="34" charset="0"/>
+                <a:ea typeface="Times New Roman" panose="02020603050405020304" pitchFamily="18" charset="0"/>
+              </a:rPr>
+              <a:t>l</a:t>
+            </a:r>
+            <a:r>
+              <a:rPr lang="it-IT" sz="1800" i="1" baseline="-25000" dirty="0">
+                <a:solidFill>
+                  <a:srgbClr val="000000"/>
+                </a:solidFill>
+                <a:effectLst/>
+                <a:latin typeface="Arial" panose="020B0604020202020204" pitchFamily="34" charset="0"/>
+                <a:ea typeface="Times New Roman" panose="02020603050405020304" pitchFamily="18" charset="0"/>
+              </a:rPr>
+              <a:t>i</a:t>
+            </a:r>
+            <a:r>
+              <a:rPr lang="it-IT" sz="1800" i="1" dirty="0">
+                <a:solidFill>
+                  <a:srgbClr val="000000"/>
+                </a:solidFill>
+                <a:effectLst/>
+                <a:latin typeface="Arial" panose="020B0604020202020204" pitchFamily="34" charset="0"/>
+                <a:ea typeface="Times New Roman" panose="02020603050405020304" pitchFamily="18" charset="0"/>
+              </a:rPr>
+              <a:t> } </a:t>
+            </a:r>
+            <a:r>
+              <a:rPr lang="it-IT" sz="1800" dirty="0">
+                <a:solidFill>
+                  <a:srgbClr val="000000"/>
+                </a:solidFill>
+                <a:effectLst/>
+                <a:latin typeface="Arial" panose="020B0604020202020204" pitchFamily="34" charset="0"/>
+                <a:ea typeface="Times New Roman" panose="02020603050405020304" pitchFamily="18" charset="0"/>
+              </a:rPr>
+              <a:t>&lt; </a:t>
+            </a:r>
+            <a:r>
+              <a:rPr lang="it-IT" sz="1800" i="1" dirty="0">
+                <a:solidFill>
+                  <a:srgbClr val="000000"/>
+                </a:solidFill>
+                <a:effectLst/>
+                <a:latin typeface="Arial" panose="020B0604020202020204" pitchFamily="34" charset="0"/>
+                <a:ea typeface="Times New Roman" panose="02020603050405020304" pitchFamily="18" charset="0"/>
+              </a:rPr>
+              <a:t>key ≤ max{ l</a:t>
+            </a:r>
+            <a:r>
+              <a:rPr lang="it-IT" sz="1800" i="1" baseline="-25000" dirty="0">
+                <a:solidFill>
+                  <a:srgbClr val="000000"/>
+                </a:solidFill>
+                <a:effectLst/>
+                <a:latin typeface="Arial" panose="020B0604020202020204" pitchFamily="34" charset="0"/>
+                <a:ea typeface="Times New Roman" panose="02020603050405020304" pitchFamily="18" charset="0"/>
+              </a:rPr>
+              <a:t>i</a:t>
+            </a:r>
+            <a:r>
+              <a:rPr lang="it-IT" sz="1800" i="1" dirty="0">
+                <a:solidFill>
+                  <a:srgbClr val="000000"/>
+                </a:solidFill>
+                <a:effectLst/>
+                <a:latin typeface="Arial" panose="020B0604020202020204" pitchFamily="34" charset="0"/>
+                <a:ea typeface="Times New Roman" panose="02020603050405020304" pitchFamily="18" charset="0"/>
+              </a:rPr>
+              <a:t> }</a:t>
+            </a:r>
+            <a:r>
+              <a:rPr lang="it-IT" sz="1800" dirty="0">
+                <a:solidFill>
+                  <a:srgbClr val="000000"/>
+                </a:solidFill>
+                <a:effectLst/>
+                <a:latin typeface="Arial" panose="020B0604020202020204" pitchFamily="34" charset="0"/>
+                <a:ea typeface="Times New Roman" panose="02020603050405020304" pitchFamily="18" charset="0"/>
+              </a:rPr>
+              <a:t> è come dire </a:t>
+            </a:r>
+            <a:r>
+              <a:rPr lang="it-IT" sz="1800" i="1" dirty="0">
+                <a:solidFill>
+                  <a:srgbClr val="000000"/>
+                </a:solidFill>
+                <a:effectLst/>
+                <a:latin typeface="Arial" panose="020B0604020202020204" pitchFamily="34" charset="0"/>
+                <a:ea typeface="Times New Roman" panose="02020603050405020304" pitchFamily="18" charset="0"/>
+              </a:rPr>
+              <a:t>key</a:t>
+            </a:r>
+            <a:r>
+              <a:rPr lang="it-IT" sz="1800" dirty="0">
+                <a:solidFill>
+                  <a:srgbClr val="000000"/>
+                </a:solidFill>
+                <a:effectLst/>
+                <a:latin typeface="Arial" panose="020B0604020202020204" pitchFamily="34" charset="0"/>
+                <a:ea typeface="Times New Roman" panose="02020603050405020304" pitchFamily="18" charset="0"/>
+              </a:rPr>
+              <a:t> = max { </a:t>
+            </a:r>
+            <a:r>
+              <a:rPr lang="it-IT" sz="1800" i="1" dirty="0">
+                <a:solidFill>
+                  <a:srgbClr val="000000"/>
+                </a:solidFill>
+                <a:effectLst/>
+                <a:latin typeface="Arial" panose="020B0604020202020204" pitchFamily="34" charset="0"/>
+                <a:ea typeface="Times New Roman" panose="02020603050405020304" pitchFamily="18" charset="0"/>
+              </a:rPr>
+              <a:t>l</a:t>
+            </a:r>
+            <a:r>
+              <a:rPr lang="it-IT" sz="1800" i="1" baseline="-25000" dirty="0">
+                <a:solidFill>
+                  <a:srgbClr val="000000"/>
+                </a:solidFill>
+                <a:effectLst/>
+                <a:latin typeface="Arial" panose="020B0604020202020204" pitchFamily="34" charset="0"/>
+                <a:ea typeface="Times New Roman" panose="02020603050405020304" pitchFamily="18" charset="0"/>
+              </a:rPr>
+              <a:t>i</a:t>
+            </a:r>
+            <a:r>
+              <a:rPr lang="it-IT" sz="1800" i="1" dirty="0">
+                <a:solidFill>
+                  <a:srgbClr val="000000"/>
+                </a:solidFill>
+                <a:effectLst/>
+                <a:latin typeface="Arial" panose="020B0604020202020204" pitchFamily="34" charset="0"/>
+                <a:ea typeface="Times New Roman" panose="02020603050405020304" pitchFamily="18" charset="0"/>
+              </a:rPr>
+              <a:t> </a:t>
+            </a:r>
+            <a:r>
+              <a:rPr lang="it-IT" sz="1800" dirty="0">
+                <a:solidFill>
+                  <a:srgbClr val="000000"/>
+                </a:solidFill>
+                <a:effectLst/>
+                <a:latin typeface="Arial" panose="020B0604020202020204" pitchFamily="34" charset="0"/>
+                <a:ea typeface="Times New Roman" panose="02020603050405020304" pitchFamily="18" charset="0"/>
+              </a:rPr>
+              <a:t>}. Dato che </a:t>
+            </a:r>
+            <a:r>
+              <a:rPr lang="it-IT" sz="1800" i="1" dirty="0">
+                <a:solidFill>
+                  <a:srgbClr val="000000"/>
+                </a:solidFill>
+                <a:effectLst/>
+                <a:latin typeface="Arial" panose="020B0604020202020204" pitchFamily="34" charset="0"/>
+                <a:ea typeface="Times New Roman" panose="02020603050405020304" pitchFamily="18" charset="0"/>
+              </a:rPr>
+              <a:t>key </a:t>
+            </a:r>
+            <a:r>
+              <a:rPr lang="it-IT" sz="1800" dirty="0">
+                <a:solidFill>
+                  <a:srgbClr val="000000"/>
+                </a:solidFill>
+                <a:effectLst/>
+                <a:latin typeface="Arial" panose="020B0604020202020204" pitchFamily="34" charset="0"/>
+                <a:ea typeface="Times New Roman" panose="02020603050405020304" pitchFamily="18" charset="0"/>
+              </a:rPr>
+              <a:t>è un valore randomico tra 1 ed </a:t>
+            </a:r>
+            <a:r>
+              <a:rPr lang="it-IT" sz="1800" i="1" dirty="0">
+                <a:solidFill>
+                  <a:srgbClr val="000000"/>
+                </a:solidFill>
+                <a:effectLst/>
+                <a:latin typeface="Arial" panose="020B0604020202020204" pitchFamily="34" charset="0"/>
+                <a:ea typeface="Times New Roman" panose="02020603050405020304" pitchFamily="18" charset="0"/>
+              </a:rPr>
+              <a:t>r </a:t>
+            </a:r>
+            <a:r>
+              <a:rPr lang="it-IT" sz="1800" dirty="0">
+                <a:solidFill>
+                  <a:srgbClr val="000000"/>
+                </a:solidFill>
+                <a:effectLst/>
+                <a:latin typeface="Arial" panose="020B0604020202020204" pitchFamily="34" charset="0"/>
+                <a:ea typeface="Times New Roman" panose="02020603050405020304" pitchFamily="18" charset="0"/>
+              </a:rPr>
+              <a:t>la probabilità che ciò succeda è 1/</a:t>
+            </a:r>
+            <a:r>
+              <a:rPr lang="it-IT" sz="1800" i="1" dirty="0">
+                <a:solidFill>
+                  <a:srgbClr val="000000"/>
+                </a:solidFill>
+                <a:effectLst/>
+                <a:latin typeface="Arial" panose="020B0604020202020204" pitchFamily="34" charset="0"/>
+                <a:ea typeface="Times New Roman" panose="02020603050405020304" pitchFamily="18" charset="0"/>
+              </a:rPr>
+              <a:t>r</a:t>
+            </a:r>
+            <a:endParaRPr lang="it-IT" sz="1800" dirty="0">
+              <a:solidFill>
+                <a:srgbClr val="000000"/>
+              </a:solidFill>
+              <a:latin typeface="Arial" panose="020B0604020202020204" pitchFamily="34" charset="0"/>
+              <a:cs typeface="Times New Roman" panose="02020603050405020304" pitchFamily="18" charset="0"/>
+            </a:endParaRPr>
           </a:p>
         </p:txBody>
       </p:sp>
@@ -9479,8 +10326,8 @@
           </a:p>
         </p:txBody>
       </p:sp>
-      <mc:AlternateContent xmlns:mc="http://schemas.openxmlformats.org/markup-compatibility/2006">
-        <mc:Choice xmlns:a14="http://schemas.microsoft.com/office/drawing/2010/main" Requires="a14">
+      <mc:AlternateContent xmlns:mc="http://schemas.openxmlformats.org/markup-compatibility/2006" xmlns:a14="http://schemas.microsoft.com/office/drawing/2010/main">
+        <mc:Choice Requires="a14">
           <p:sp>
             <p:nvSpPr>
               <p:cNvPr id="3" name="Segnaposto contenuto 2">
@@ -9596,7 +10443,7 @@
             </p:txBody>
           </p:sp>
         </mc:Choice>
-        <mc:Fallback>
+        <mc:Fallback xmlns="">
           <p:sp>
             <p:nvSpPr>
               <p:cNvPr id="3" name="Segnaposto contenuto 2">
@@ -9874,8 +10721,8 @@
           </a:p>
         </p:txBody>
       </p:sp>
-      <mc:AlternateContent xmlns:mc="http://schemas.openxmlformats.org/markup-compatibility/2006">
-        <mc:Choice xmlns:a14="http://schemas.microsoft.com/office/drawing/2010/main" Requires="a14">
+      <mc:AlternateContent xmlns:mc="http://schemas.openxmlformats.org/markup-compatibility/2006" xmlns:a14="http://schemas.microsoft.com/office/drawing/2010/main">
+        <mc:Choice Requires="a14">
           <p:sp>
             <p:nvSpPr>
               <p:cNvPr id="3" name="Segnaposto contenuto 2">
@@ -11193,7 +12040,7 @@
             </p:txBody>
           </p:sp>
         </mc:Choice>
-        <mc:Fallback>
+        <mc:Fallback xmlns="">
           <p:sp>
             <p:nvSpPr>
               <p:cNvPr id="3" name="Segnaposto contenuto 2">
@@ -11299,8 +12146,8 @@
           </a:p>
         </p:txBody>
       </p:sp>
-      <mc:AlternateContent xmlns:mc="http://schemas.openxmlformats.org/markup-compatibility/2006">
-        <mc:Choice xmlns:a14="http://schemas.microsoft.com/office/drawing/2010/main" Requires="a14">
+      <mc:AlternateContent xmlns:mc="http://schemas.openxmlformats.org/markup-compatibility/2006" xmlns:a14="http://schemas.microsoft.com/office/drawing/2010/main">
+        <mc:Choice Requires="a14">
           <p:sp>
             <p:nvSpPr>
               <p:cNvPr id="3" name="Segnaposto contenuto 2">
@@ -12410,7 +13257,7 @@
             </p:txBody>
           </p:sp>
         </mc:Choice>
-        <mc:Fallback>
+        <mc:Fallback xmlns="">
           <p:sp>
             <p:nvSpPr>
               <p:cNvPr id="3" name="Segnaposto contenuto 2">
@@ -12516,8 +13363,8 @@
           </a:p>
         </p:txBody>
       </p:sp>
-      <mc:AlternateContent xmlns:mc="http://schemas.openxmlformats.org/markup-compatibility/2006">
-        <mc:Choice xmlns:a14="http://schemas.microsoft.com/office/drawing/2010/main" Requires="a14">
+      <mc:AlternateContent xmlns:mc="http://schemas.openxmlformats.org/markup-compatibility/2006" xmlns:a14="http://schemas.microsoft.com/office/drawing/2010/main">
+        <mc:Choice Requires="a14">
           <p:sp>
             <p:nvSpPr>
               <p:cNvPr id="3" name="Segnaposto contenuto 2">
@@ -13286,7 +14133,7 @@
             </p:txBody>
           </p:sp>
         </mc:Choice>
-        <mc:Fallback>
+        <mc:Fallback xmlns="">
           <p:sp>
             <p:nvSpPr>
               <p:cNvPr id="3" name="Segnaposto contenuto 2">
@@ -13864,8 +14711,8 @@
           </a:p>
         </p:txBody>
       </p:sp>
-      <mc:AlternateContent xmlns:mc="http://schemas.openxmlformats.org/markup-compatibility/2006">
-        <mc:Choice xmlns:a14="http://schemas.microsoft.com/office/drawing/2010/main" Requires="a14">
+      <mc:AlternateContent xmlns:mc="http://schemas.openxmlformats.org/markup-compatibility/2006" xmlns:a14="http://schemas.microsoft.com/office/drawing/2010/main">
+        <mc:Choice Requires="a14">
           <p:sp>
             <p:nvSpPr>
               <p:cNvPr id="3" name="Segnaposto contenuto 2">
@@ -14375,7 +15222,7 @@
             </p:txBody>
           </p:sp>
         </mc:Choice>
-        <mc:Fallback>
+        <mc:Fallback xmlns="">
           <p:sp>
             <p:nvSpPr>
               <p:cNvPr id="3" name="Segnaposto contenuto 2">
@@ -14473,8 +15320,8 @@
           </a:p>
         </p:txBody>
       </p:sp>
-      <mc:AlternateContent xmlns:mc="http://schemas.openxmlformats.org/markup-compatibility/2006">
-        <mc:Choice xmlns:a14="http://schemas.microsoft.com/office/drawing/2010/main" Requires="a14">
+      <mc:AlternateContent xmlns:mc="http://schemas.openxmlformats.org/markup-compatibility/2006" xmlns:a14="http://schemas.microsoft.com/office/drawing/2010/main">
+        <mc:Choice Requires="a14">
           <p:sp>
             <p:nvSpPr>
               <p:cNvPr id="3" name="Segnaposto contenuto 2">
@@ -14715,7 +15562,7 @@
             </p:txBody>
           </p:sp>
         </mc:Choice>
-        <mc:Fallback>
+        <mc:Fallback xmlns="">
           <p:sp>
             <p:nvSpPr>
               <p:cNvPr id="3" name="Segnaposto contenuto 2">
